--- a/Final/金融科技-文字探勘與機器學習.pptx
+++ b/Final/金融科技-文字探勘與機器學習.pptx
@@ -1,6 +1,6 @@
 
 <file path=ppt/presentation.xml><?xml version="1.0" encoding="utf-8"?>
-<p:presentation xmlns:a="http://schemas.openxmlformats.org/drawingml/2006/main" xmlns:r="http://schemas.openxmlformats.org/officeDocument/2006/relationships" xmlns:p="http://schemas.openxmlformats.org/presentationml/2006/main" autoCompressPictures="0">
+<p:presentation xmlns:a="http://schemas.openxmlformats.org/drawingml/2006/main" xmlns:r="http://schemas.openxmlformats.org/officeDocument/2006/relationships" xmlns:p="http://schemas.openxmlformats.org/presentationml/2006/main" saveSubsetFonts="1" autoCompressPictures="0">
   <p:sldMasterIdLst>
     <p:sldMasterId id="2147483648" r:id="rId1"/>
   </p:sldMasterIdLst>
@@ -17,7 +17,15 @@
     <p:sldId id="262" r:id="rId11"/>
     <p:sldId id="258" r:id="rId12"/>
     <p:sldId id="263" r:id="rId13"/>
-    <p:sldId id="268" r:id="rId14"/>
+    <p:sldId id="269" r:id="rId14"/>
+    <p:sldId id="270" r:id="rId15"/>
+    <p:sldId id="271" r:id="rId16"/>
+    <p:sldId id="272" r:id="rId17"/>
+    <p:sldId id="273" r:id="rId18"/>
+    <p:sldId id="274" r:id="rId19"/>
+    <p:sldId id="275" r:id="rId20"/>
+    <p:sldId id="276" r:id="rId21"/>
+    <p:sldId id="268" r:id="rId22"/>
   </p:sldIdLst>
   <p:sldSz cx="12192000" cy="6858000"/>
   <p:notesSz cx="6858000" cy="9144000"/>
@@ -116,6 +124,11 @@
       </a:defRPr>
     </a:lvl9pPr>
   </p:defaultTextStyle>
+  <p:extLst>
+    <p:ext uri="{EFAFB233-063F-42B5-8137-9DF3F51BA10A}">
+      <p15:sldGuideLst xmlns:p15="http://schemas.microsoft.com/office/powerpoint/2012/main"/>
+    </p:ext>
+  </p:extLst>
 </p:presentation>
 </file>
 
@@ -311,7 +324,7 @@
             <a:fld id="{B61BEF0D-F0BB-DE4B-95CE-6DB70DBA9567}" type="datetimeFigureOut">
               <a:rPr lang="en-US" dirty="0"/>
               <a:pPr/>
-              <a:t>5/17/2019</a:t>
+              <a:t>6/16/19</a:t>
             </a:fld>
             <a:endParaRPr lang="en-US" dirty="0"/>
           </a:p>
@@ -744,7 +757,7 @@
             <a:fld id="{B61BEF0D-F0BB-DE4B-95CE-6DB70DBA9567}" type="datetimeFigureOut">
               <a:rPr lang="en-US" dirty="0"/>
               <a:pPr/>
-              <a:t>5/17/2019</a:t>
+              <a:t>6/16/19</a:t>
             </a:fld>
             <a:endParaRPr lang="en-US" dirty="0"/>
           </a:p>
@@ -991,7 +1004,7 @@
             <a:fld id="{B61BEF0D-F0BB-DE4B-95CE-6DB70DBA9567}" type="datetimeFigureOut">
               <a:rPr lang="en-US" dirty="0"/>
               <a:pPr/>
-              <a:t>5/17/2019</a:t>
+              <a:t>6/16/19</a:t>
             </a:fld>
             <a:endParaRPr lang="en-US" dirty="0"/>
           </a:p>
@@ -1296,7 +1309,7 @@
             <a:fld id="{B61BEF0D-F0BB-DE4B-95CE-6DB70DBA9567}" type="datetimeFigureOut">
               <a:rPr lang="en-US" dirty="0"/>
               <a:pPr/>
-              <a:t>5/17/2019</a:t>
+              <a:t>6/16/19</a:t>
             </a:fld>
             <a:endParaRPr lang="en-US" dirty="0"/>
           </a:p>
@@ -1611,7 +1624,7 @@
             <a:fld id="{B61BEF0D-F0BB-DE4B-95CE-6DB70DBA9567}" type="datetimeFigureOut">
               <a:rPr lang="en-US" dirty="0"/>
               <a:pPr/>
-              <a:t>5/17/2019</a:t>
+              <a:t>6/16/19</a:t>
             </a:fld>
             <a:endParaRPr lang="en-US" dirty="0"/>
           </a:p>
@@ -1910,7 +1923,7 @@
             <a:fld id="{B61BEF0D-F0BB-DE4B-95CE-6DB70DBA9567}" type="datetimeFigureOut">
               <a:rPr lang="en-US" dirty="0"/>
               <a:pPr/>
-              <a:t>5/17/2019</a:t>
+              <a:t>6/16/19</a:t>
             </a:fld>
             <a:endParaRPr lang="en-US" dirty="0"/>
           </a:p>
@@ -2274,7 +2287,7 @@
             <a:fld id="{B61BEF0D-F0BB-DE4B-95CE-6DB70DBA9567}" type="datetimeFigureOut">
               <a:rPr lang="en-US" dirty="0"/>
               <a:pPr/>
-              <a:t>5/17/2019</a:t>
+              <a:t>6/16/19</a:t>
             </a:fld>
             <a:endParaRPr lang="en-US" dirty="0"/>
           </a:p>
@@ -2445,7 +2458,7 @@
             <a:fld id="{B61BEF0D-F0BB-DE4B-95CE-6DB70DBA9567}" type="datetimeFigureOut">
               <a:rPr lang="en-US" dirty="0"/>
               <a:pPr/>
-              <a:t>5/17/2019</a:t>
+              <a:t>6/16/19</a:t>
             </a:fld>
             <a:endParaRPr lang="en-US" dirty="0"/>
           </a:p>
@@ -2622,7 +2635,7 @@
             <a:fld id="{B61BEF0D-F0BB-DE4B-95CE-6DB70DBA9567}" type="datetimeFigureOut">
               <a:rPr lang="en-US" dirty="0"/>
               <a:pPr/>
-              <a:t>5/17/2019</a:t>
+              <a:t>6/16/19</a:t>
             </a:fld>
             <a:endParaRPr lang="en-US" dirty="0"/>
           </a:p>
@@ -2789,7 +2802,7 @@
             <a:fld id="{B61BEF0D-F0BB-DE4B-95CE-6DB70DBA9567}" type="datetimeFigureOut">
               <a:rPr lang="en-US" dirty="0"/>
               <a:pPr/>
-              <a:t>5/17/2019</a:t>
+              <a:t>6/16/19</a:t>
             </a:fld>
             <a:endParaRPr lang="en-US" dirty="0"/>
           </a:p>
@@ -3036,7 +3049,7 @@
             <a:fld id="{B61BEF0D-F0BB-DE4B-95CE-6DB70DBA9567}" type="datetimeFigureOut">
               <a:rPr lang="en-US" dirty="0"/>
               <a:pPr/>
-              <a:t>5/17/2019</a:t>
+              <a:t>6/16/19</a:t>
             </a:fld>
             <a:endParaRPr lang="en-US" dirty="0"/>
           </a:p>
@@ -3269,7 +3282,7 @@
             <a:fld id="{B61BEF0D-F0BB-DE4B-95CE-6DB70DBA9567}" type="datetimeFigureOut">
               <a:rPr lang="en-US" dirty="0"/>
               <a:pPr/>
-              <a:t>5/17/2019</a:t>
+              <a:t>6/16/19</a:t>
             </a:fld>
             <a:endParaRPr lang="en-US" dirty="0"/>
           </a:p>
@@ -3648,7 +3661,7 @@
             <a:fld id="{B61BEF0D-F0BB-DE4B-95CE-6DB70DBA9567}" type="datetimeFigureOut">
               <a:rPr lang="en-US" dirty="0"/>
               <a:pPr/>
-              <a:t>5/17/2019</a:t>
+              <a:t>6/16/19</a:t>
             </a:fld>
             <a:endParaRPr lang="en-US" dirty="0"/>
           </a:p>
@@ -3763,7 +3776,7 @@
             <a:fld id="{B61BEF0D-F0BB-DE4B-95CE-6DB70DBA9567}" type="datetimeFigureOut">
               <a:rPr lang="en-US" dirty="0"/>
               <a:pPr/>
-              <a:t>5/17/2019</a:t>
+              <a:t>6/16/19</a:t>
             </a:fld>
             <a:endParaRPr lang="en-US" dirty="0"/>
           </a:p>
@@ -3855,7 +3868,7 @@
             <a:fld id="{B61BEF0D-F0BB-DE4B-95CE-6DB70DBA9567}" type="datetimeFigureOut">
               <a:rPr lang="en-US" dirty="0"/>
               <a:pPr/>
-              <a:t>5/17/2019</a:t>
+              <a:t>6/16/19</a:t>
             </a:fld>
             <a:endParaRPr lang="en-US" dirty="0"/>
           </a:p>
@@ -4107,7 +4120,7 @@
             <a:fld id="{B61BEF0D-F0BB-DE4B-95CE-6DB70DBA9567}" type="datetimeFigureOut">
               <a:rPr lang="en-US" dirty="0"/>
               <a:pPr/>
-              <a:t>5/17/2019</a:t>
+              <a:t>6/16/19</a:t>
             </a:fld>
             <a:endParaRPr lang="en-US" dirty="0"/>
           </a:p>
@@ -4387,7 +4400,7 @@
             <a:fld id="{B61BEF0D-F0BB-DE4B-95CE-6DB70DBA9567}" type="datetimeFigureOut">
               <a:rPr lang="en-US" dirty="0"/>
               <a:pPr/>
-              <a:t>5/17/2019</a:t>
+              <a:t>6/16/19</a:t>
             </a:fld>
             <a:endParaRPr lang="en-US" dirty="0"/>
           </a:p>
@@ -4790,7 +4803,7 @@
             <a:fld id="{B61BEF0D-F0BB-DE4B-95CE-6DB70DBA9567}" type="datetimeFigureOut">
               <a:rPr lang="en-US" dirty="0"/>
               <a:pPr/>
-              <a:t>5/17/2019</a:t>
+              <a:t>6/16/19</a:t>
             </a:fld>
             <a:endParaRPr lang="en-US" dirty="0"/>
           </a:p>
@@ -5326,7 +5339,7 @@
           <p:cNvPr id="2" name="標題 1">
             <a:extLst>
               <a:ext uri="{FF2B5EF4-FFF2-40B4-BE49-F238E27FC236}">
-                <a16:creationId xmlns:a16="http://schemas.microsoft.com/office/drawing/2014/main" id="{E3337D87-D674-4A28-88BF-D94A0D5D56C3}"/>
+                <a16:creationId xmlns:a16="http://schemas.microsoft.com/office/drawing/2014/main" xmlns="" id="{E3337D87-D674-4A28-88BF-D94A0D5D56C3}"/>
               </a:ext>
             </a:extLst>
           </p:cNvPr>
@@ -5360,6 +5373,10 @@
               <a:rPr lang="zh-TW" altLang="en-US" b="1" dirty="0"/>
               <a:t>文字探勘與機器學習</a:t>
             </a:r>
+            <a:r>
+              <a:rPr lang="en-US" altLang="zh-TW" b="1" dirty="0"/>
+              <a:t/>
+            </a:r>
             <a:br>
               <a:rPr lang="en-US" altLang="zh-TW" b="1" dirty="0"/>
             </a:br>
@@ -5380,7 +5397,7 @@
           <p:cNvPr id="3" name="副標題 2">
             <a:extLst>
               <a:ext uri="{FF2B5EF4-FFF2-40B4-BE49-F238E27FC236}">
-                <a16:creationId xmlns:a16="http://schemas.microsoft.com/office/drawing/2014/main" id="{402F9BEA-B78B-4A58-B351-AFD2081CE885}"/>
+                <a16:creationId xmlns:a16="http://schemas.microsoft.com/office/drawing/2014/main" xmlns="" id="{402F9BEA-B78B-4A58-B351-AFD2081CE885}"/>
               </a:ext>
             </a:extLst>
           </p:cNvPr>
@@ -5499,7 +5516,7 @@
           <p:cNvPr id="2" name="標題 1">
             <a:extLst>
               <a:ext uri="{FF2B5EF4-FFF2-40B4-BE49-F238E27FC236}">
-                <a16:creationId xmlns:a16="http://schemas.microsoft.com/office/drawing/2014/main" id="{E3337D87-D674-4A28-88BF-D94A0D5D56C3}"/>
+                <a16:creationId xmlns:a16="http://schemas.microsoft.com/office/drawing/2014/main" xmlns="" id="{E3337D87-D674-4A28-88BF-D94A0D5D56C3}"/>
               </a:ext>
             </a:extLst>
           </p:cNvPr>
@@ -5539,7 +5556,7 @@
           <p:cNvPr id="3" name="副標題 2">
             <a:extLst>
               <a:ext uri="{FF2B5EF4-FFF2-40B4-BE49-F238E27FC236}">
-                <a16:creationId xmlns:a16="http://schemas.microsoft.com/office/drawing/2014/main" id="{402F9BEA-B78B-4A58-B351-AFD2081CE885}"/>
+                <a16:creationId xmlns:a16="http://schemas.microsoft.com/office/drawing/2014/main" xmlns="" id="{402F9BEA-B78B-4A58-B351-AFD2081CE885}"/>
               </a:ext>
             </a:extLst>
           </p:cNvPr>
@@ -5777,7 +5794,7 @@
           <p:cNvPr id="5" name="圖片 4">
             <a:extLst>
               <a:ext uri="{FF2B5EF4-FFF2-40B4-BE49-F238E27FC236}">
-                <a16:creationId xmlns:a16="http://schemas.microsoft.com/office/drawing/2014/main" id="{820F127C-0DDD-471E-9B78-D7A3371DEC1A}"/>
+                <a16:creationId xmlns:a16="http://schemas.microsoft.com/office/drawing/2014/main" xmlns="" id="{820F127C-0DDD-471E-9B78-D7A3371DEC1A}"/>
               </a:ext>
             </a:extLst>
           </p:cNvPr>
@@ -5836,7 +5853,7 @@
           <p:cNvPr id="2" name="標題 1">
             <a:extLst>
               <a:ext uri="{FF2B5EF4-FFF2-40B4-BE49-F238E27FC236}">
-                <a16:creationId xmlns:a16="http://schemas.microsoft.com/office/drawing/2014/main" id="{E3337D87-D674-4A28-88BF-D94A0D5D56C3}"/>
+                <a16:creationId xmlns:a16="http://schemas.microsoft.com/office/drawing/2014/main" xmlns="" id="{E3337D87-D674-4A28-88BF-D94A0D5D56C3}"/>
               </a:ext>
             </a:extLst>
           </p:cNvPr>
@@ -5870,7 +5887,7 @@
           <p:cNvPr id="6" name="圖片 5">
             <a:extLst>
               <a:ext uri="{FF2B5EF4-FFF2-40B4-BE49-F238E27FC236}">
-                <a16:creationId xmlns:a16="http://schemas.microsoft.com/office/drawing/2014/main" id="{A53A80F6-B8EF-4AAD-9725-EB3A341644C6}"/>
+                <a16:creationId xmlns:a16="http://schemas.microsoft.com/office/drawing/2014/main" xmlns="" id="{A53A80F6-B8EF-4AAD-9725-EB3A341644C6}"/>
               </a:ext>
             </a:extLst>
           </p:cNvPr>
@@ -5900,7 +5917,7 @@
           <p:cNvPr id="7" name="圖片 6">
             <a:extLst>
               <a:ext uri="{FF2B5EF4-FFF2-40B4-BE49-F238E27FC236}">
-                <a16:creationId xmlns:a16="http://schemas.microsoft.com/office/drawing/2014/main" id="{60F2AE72-97B4-4E88-9437-FFF3E44ADBDC}"/>
+                <a16:creationId xmlns:a16="http://schemas.microsoft.com/office/drawing/2014/main" xmlns="" id="{60F2AE72-97B4-4E88-9437-FFF3E44ADBDC}"/>
               </a:ext>
             </a:extLst>
           </p:cNvPr>
@@ -5960,7 +5977,7 @@
           <p:cNvPr id="2" name="標題 1">
             <a:extLst>
               <a:ext uri="{FF2B5EF4-FFF2-40B4-BE49-F238E27FC236}">
-                <a16:creationId xmlns:a16="http://schemas.microsoft.com/office/drawing/2014/main" id="{E3337D87-D674-4A28-88BF-D94A0D5D56C3}"/>
+                <a16:creationId xmlns:a16="http://schemas.microsoft.com/office/drawing/2014/main" xmlns="" id="{E3337D87-D674-4A28-88BF-D94A0D5D56C3}"/>
               </a:ext>
             </a:extLst>
           </p:cNvPr>
@@ -6004,7 +6021,7 @@
           <p:cNvPr id="5" name="副標題 4">
             <a:extLst>
               <a:ext uri="{FF2B5EF4-FFF2-40B4-BE49-F238E27FC236}">
-                <a16:creationId xmlns:a16="http://schemas.microsoft.com/office/drawing/2014/main" id="{952D93D7-8AE2-41D9-A4F9-02B4A4D857C7}"/>
+                <a16:creationId xmlns:a16="http://schemas.microsoft.com/office/drawing/2014/main" xmlns="" id="{952D93D7-8AE2-41D9-A4F9-02B4A4D857C7}"/>
               </a:ext>
             </a:extLst>
           </p:cNvPr>
@@ -6029,7 +6046,7 @@
           <p:cNvPr id="7" name="圖片 6">
             <a:extLst>
               <a:ext uri="{FF2B5EF4-FFF2-40B4-BE49-F238E27FC236}">
-                <a16:creationId xmlns:a16="http://schemas.microsoft.com/office/drawing/2014/main" id="{FDC85AAD-72D6-4F8F-8C38-AD853B2E4D67}"/>
+                <a16:creationId xmlns:a16="http://schemas.microsoft.com/office/drawing/2014/main" xmlns="" id="{FDC85AAD-72D6-4F8F-8C38-AD853B2E4D67}"/>
               </a:ext>
             </a:extLst>
           </p:cNvPr>
@@ -6064,6 +6081,13 @@
   <p:clrMapOvr>
     <a:masterClrMapping/>
   </p:clrMapOvr>
+  <p:timing>
+    <p:tnLst>
+      <p:par>
+        <p:cTn id="1" dur="indefinite" restart="never" nodeType="tmRoot"/>
+      </p:par>
+    </p:tnLst>
+  </p:timing>
 </p:sld>
 </file>
 
@@ -6086,48 +6110,2268 @@
       </p:grpSpPr>
       <p:sp>
         <p:nvSpPr>
-          <p:cNvPr id="2" name="標題 1">
-            <a:extLst>
-              <a:ext uri="{FF2B5EF4-FFF2-40B4-BE49-F238E27FC236}">
-                <a16:creationId xmlns:a16="http://schemas.microsoft.com/office/drawing/2014/main" id="{E3337D87-D674-4A28-88BF-D94A0D5D56C3}"/>
-              </a:ext>
-            </a:extLst>
-          </p:cNvPr>
-          <p:cNvSpPr>
-            <a:spLocks noGrp="1"/>
-          </p:cNvSpPr>
-          <p:nvPr>
-            <p:ph type="ctrTitle"/>
+          <p:cNvPr id="2" name="標題 1"/>
+          <p:cNvSpPr>
+            <a:spLocks noGrp="1"/>
+          </p:cNvSpPr>
+          <p:nvPr>
+            <p:ph type="title"/>
           </p:nvPr>
         </p:nvSpPr>
         <p:spPr>
           <a:xfrm>
-            <a:off x="617951" y="2332383"/>
-            <a:ext cx="8565805" cy="1205948"/>
+            <a:off x="684211" y="685800"/>
+            <a:ext cx="9746721" cy="1507067"/>
           </a:xfrm>
         </p:spPr>
         <p:txBody>
+          <a:bodyPr/>
+          <a:lstStyle/>
+          <a:p>
+            <a:r>
+              <a:rPr kumimoji="1" lang="zh-TW" altLang="en-US" dirty="0" smtClean="0"/>
+              <a:t>第二部分 原先客服資料</a:t>
+            </a:r>
+            <a:r>
+              <a:rPr kumimoji="1" lang="en-US" altLang="zh-TW" dirty="0" smtClean="0"/>
+              <a:t> VS </a:t>
+            </a:r>
+            <a:r>
+              <a:rPr kumimoji="1" lang="zh-TW" altLang="en-US" dirty="0" smtClean="0"/>
+              <a:t>客戶後續互動資料</a:t>
+            </a:r>
+            <a:endParaRPr kumimoji="1" lang="zh-TW" altLang="en-US" dirty="0"/>
+          </a:p>
+        </p:txBody>
+      </p:sp>
+      <p:sp>
+        <p:nvSpPr>
+          <p:cNvPr id="3" name="內容版面配置區 2"/>
+          <p:cNvSpPr>
+            <a:spLocks noGrp="1"/>
+          </p:cNvSpPr>
+          <p:nvPr>
+            <p:ph idx="1"/>
+          </p:nvPr>
+        </p:nvSpPr>
+        <p:spPr>
+          <a:xfrm>
+            <a:off x="684212" y="2192867"/>
+            <a:ext cx="8534400" cy="1955799"/>
+          </a:xfrm>
+        </p:spPr>
+        <p:txBody>
           <a:bodyPr>
-            <a:normAutofit/>
+            <a:noAutofit/>
           </a:bodyPr>
           <a:lstStyle/>
           <a:p>
-            <a:pPr algn="ctr"/>
-            <a:r>
-              <a:rPr lang="en-US" altLang="zh-CN" sz="6000" b="1" dirty="0"/>
-              <a:t>Thank you</a:t>
-            </a:r>
-            <a:r>
-              <a:rPr lang="zh-CN" altLang="en-US" sz="6000" b="1" dirty="0"/>
-              <a:t>！</a:t>
-            </a:r>
+            <a:r>
+              <a:rPr lang="zh-TW" altLang="en-US" sz="2800" dirty="0"/>
+              <a:t>客戶</a:t>
+            </a:r>
+            <a:r>
+              <a:rPr lang="zh-TW" altLang="en-US" sz="2800" dirty="0" smtClean="0"/>
+              <a:t>名單</a:t>
+            </a:r>
+            <a:endParaRPr lang="en-US" altLang="zh-TW" sz="2800" dirty="0" smtClean="0"/>
+          </a:p>
+          <a:p>
+            <a:r>
+              <a:rPr lang="zh-TW" altLang="en-US" sz="2800" dirty="0"/>
+              <a:t>客戶聯繫</a:t>
+            </a:r>
+            <a:r>
+              <a:rPr lang="zh-TW" altLang="en-US" sz="2800" dirty="0" smtClean="0"/>
+              <a:t>紀錄</a:t>
+            </a:r>
+            <a:endParaRPr lang="en-US" altLang="zh-TW" sz="2800" dirty="0" smtClean="0"/>
+          </a:p>
+          <a:p>
+            <a:r>
+              <a:rPr kumimoji="1" lang="zh-TW" altLang="en-US" sz="2800" dirty="0" smtClean="0"/>
+              <a:t>交易資料</a:t>
+            </a:r>
+            <a:endParaRPr kumimoji="1" lang="zh-TW" altLang="en-US" sz="2800" dirty="0"/>
           </a:p>
         </p:txBody>
       </p:sp>
     </p:spTree>
     <p:extLst>
       <p:ext uri="{BB962C8B-B14F-4D97-AF65-F5344CB8AC3E}">
-        <p14:creationId xmlns:p14="http://schemas.microsoft.com/office/powerpoint/2010/main" val="2624657211"/>
+        <p14:creationId xmlns:p14="http://schemas.microsoft.com/office/powerpoint/2010/main" val="308799507"/>
+      </p:ext>
+    </p:extLst>
+  </p:cSld>
+  <p:clrMapOvr>
+    <a:masterClrMapping/>
+  </p:clrMapOvr>
+  <p:timing>
+    <p:tnLst>
+      <p:par>
+        <p:cTn id="1" dur="indefinite" restart="never" nodeType="tmRoot"/>
+      </p:par>
+    </p:tnLst>
+  </p:timing>
+</p:sld>
+</file>
+
+<file path=ppt/slides/slide14.xml><?xml version="1.0" encoding="utf-8"?>
+<p:sld xmlns:a="http://schemas.openxmlformats.org/drawingml/2006/main" xmlns:r="http://schemas.openxmlformats.org/officeDocument/2006/relationships" xmlns:p="http://schemas.openxmlformats.org/presentationml/2006/main">
+  <p:cSld>
+    <p:spTree>
+      <p:nvGrpSpPr>
+        <p:cNvPr id="1" name=""/>
+        <p:cNvGrpSpPr/>
+        <p:nvPr/>
+      </p:nvGrpSpPr>
+      <p:grpSpPr>
+        <a:xfrm>
+          <a:off x="0" y="0"/>
+          <a:ext cx="0" cy="0"/>
+          <a:chOff x="0" y="0"/>
+          <a:chExt cx="0" cy="0"/>
+        </a:xfrm>
+      </p:grpSpPr>
+      <p:sp>
+        <p:nvSpPr>
+          <p:cNvPr id="2" name="標題 1"/>
+          <p:cNvSpPr>
+            <a:spLocks noGrp="1"/>
+          </p:cNvSpPr>
+          <p:nvPr>
+            <p:ph type="title"/>
+          </p:nvPr>
+        </p:nvSpPr>
+        <p:spPr>
+          <a:xfrm>
+            <a:off x="684212" y="685800"/>
+            <a:ext cx="8534400" cy="1507067"/>
+          </a:xfrm>
+        </p:spPr>
+        <p:txBody>
+          <a:bodyPr/>
+          <a:lstStyle/>
+          <a:p>
+            <a:r>
+              <a:rPr kumimoji="1" lang="zh-TW" altLang="en-US" dirty="0" smtClean="0"/>
+              <a:t>客戶聯繫紀錄</a:t>
+            </a:r>
+            <a:endParaRPr kumimoji="1" lang="zh-TW" altLang="en-US" dirty="0"/>
+          </a:p>
+        </p:txBody>
+      </p:sp>
+      <p:sp>
+        <p:nvSpPr>
+          <p:cNvPr id="3" name="內容版面配置區 2"/>
+          <p:cNvSpPr>
+            <a:spLocks noGrp="1"/>
+          </p:cNvSpPr>
+          <p:nvPr>
+            <p:ph idx="1"/>
+          </p:nvPr>
+        </p:nvSpPr>
+        <p:spPr>
+          <a:xfrm>
+            <a:off x="684212" y="2192867"/>
+            <a:ext cx="6360055" cy="4038600"/>
+          </a:xfrm>
+        </p:spPr>
+        <p:txBody>
+          <a:bodyPr/>
+          <a:lstStyle/>
+          <a:p>
+            <a:r>
+              <a:rPr kumimoji="1" lang="zh-TW" altLang="en-US" sz="2800" dirty="0" smtClean="0"/>
+              <a:t>開戶成功與否</a:t>
+            </a:r>
+            <a:endParaRPr kumimoji="1" lang="en-US" altLang="zh-TW" sz="2800" dirty="0" smtClean="0"/>
+          </a:p>
+          <a:p>
+            <a:r>
+              <a:rPr kumimoji="1" lang="zh-TW" altLang="en-US" sz="2800" dirty="0" smtClean="0"/>
+              <a:t>聯絡次數的對照</a:t>
+            </a:r>
+            <a:endParaRPr kumimoji="1" lang="en-US" altLang="zh-TW" sz="2800" dirty="0" smtClean="0"/>
+          </a:p>
+          <a:p>
+            <a:r>
+              <a:rPr kumimoji="1" lang="zh-TW" altLang="en-US" sz="2800" dirty="0" smtClean="0"/>
+              <a:t>客戶談話內容</a:t>
+            </a:r>
+            <a:endParaRPr kumimoji="1" lang="en-US" altLang="zh-TW" sz="2800" dirty="0" smtClean="0"/>
+          </a:p>
+          <a:p>
+            <a:endParaRPr kumimoji="1" lang="en-US" altLang="zh-TW" dirty="0"/>
+          </a:p>
+          <a:p>
+            <a:endParaRPr kumimoji="1" lang="en-US" altLang="zh-TW" dirty="0" smtClean="0"/>
+          </a:p>
+          <a:p>
+            <a:r>
+              <a:rPr kumimoji="1" lang="zh-TW" altLang="en-US" sz="2400" dirty="0" smtClean="0"/>
+              <a:t>聯絡較多次的客戶竟然與開戶與否不成正比</a:t>
+            </a:r>
+            <a:endParaRPr kumimoji="1" lang="en-US" altLang="zh-TW" sz="2400" dirty="0" smtClean="0"/>
+          </a:p>
+          <a:p>
+            <a:pPr lvl="1"/>
+            <a:r>
+              <a:rPr kumimoji="1" lang="zh-TW" altLang="en-US" sz="2200" dirty="0" smtClean="0"/>
+              <a:t>開不開戶的影響是否能由談話內容得知</a:t>
+            </a:r>
+            <a:endParaRPr kumimoji="1" lang="zh-TW" altLang="en-US" sz="2200" dirty="0"/>
+          </a:p>
+        </p:txBody>
+      </p:sp>
+      <p:pic>
+        <p:nvPicPr>
+          <p:cNvPr id="4" name="圖片 3"/>
+          <p:cNvPicPr>
+            <a:picLocks noChangeAspect="1"/>
+          </p:cNvPicPr>
+          <p:nvPr/>
+        </p:nvPicPr>
+        <p:blipFill>
+          <a:blip r:embed="rId2">
+            <a:extLst>
+              <a:ext uri="{28A0092B-C50C-407E-A947-70E740481C1C}">
+                <a14:useLocalDpi xmlns:a14="http://schemas.microsoft.com/office/drawing/2010/main" val="0"/>
+              </a:ext>
+            </a:extLst>
+          </a:blip>
+          <a:stretch>
+            <a:fillRect/>
+          </a:stretch>
+        </p:blipFill>
+        <p:spPr>
+          <a:xfrm>
+            <a:off x="7044266" y="422425"/>
+            <a:ext cx="2497435" cy="6317042"/>
+          </a:xfrm>
+          <a:prstGeom prst="rect">
+            <a:avLst/>
+          </a:prstGeom>
+        </p:spPr>
+      </p:pic>
+      <p:pic>
+        <p:nvPicPr>
+          <p:cNvPr id="5" name="圖片 4"/>
+          <p:cNvPicPr>
+            <a:picLocks noChangeAspect="1"/>
+          </p:cNvPicPr>
+          <p:nvPr/>
+        </p:nvPicPr>
+        <p:blipFill>
+          <a:blip r:embed="rId3">
+            <a:extLst>
+              <a:ext uri="{28A0092B-C50C-407E-A947-70E740481C1C}">
+                <a14:useLocalDpi xmlns:a14="http://schemas.microsoft.com/office/drawing/2010/main" val="0"/>
+              </a:ext>
+            </a:extLst>
+          </a:blip>
+          <a:stretch>
+            <a:fillRect/>
+          </a:stretch>
+        </p:blipFill>
+        <p:spPr>
+          <a:xfrm>
+            <a:off x="9906001" y="422425"/>
+            <a:ext cx="1953424" cy="6317042"/>
+          </a:xfrm>
+          <a:prstGeom prst="rect">
+            <a:avLst/>
+          </a:prstGeom>
+        </p:spPr>
+      </p:pic>
+    </p:spTree>
+    <p:extLst>
+      <p:ext uri="{BB962C8B-B14F-4D97-AF65-F5344CB8AC3E}">
+        <p14:creationId xmlns:p14="http://schemas.microsoft.com/office/powerpoint/2010/main" val="1792184830"/>
+      </p:ext>
+    </p:extLst>
+  </p:cSld>
+  <p:clrMapOvr>
+    <a:masterClrMapping/>
+  </p:clrMapOvr>
+</p:sld>
+</file>
+
+<file path=ppt/slides/slide15.xml><?xml version="1.0" encoding="utf-8"?>
+<p:sld xmlns:a="http://schemas.openxmlformats.org/drawingml/2006/main" xmlns:r="http://schemas.openxmlformats.org/officeDocument/2006/relationships" xmlns:p="http://schemas.openxmlformats.org/presentationml/2006/main">
+  <p:cSld>
+    <p:spTree>
+      <p:nvGrpSpPr>
+        <p:cNvPr id="1" name=""/>
+        <p:cNvGrpSpPr/>
+        <p:nvPr/>
+      </p:nvGrpSpPr>
+      <p:grpSpPr>
+        <a:xfrm>
+          <a:off x="0" y="0"/>
+          <a:ext cx="0" cy="0"/>
+          <a:chOff x="0" y="0"/>
+          <a:chExt cx="0" cy="0"/>
+        </a:xfrm>
+      </p:grpSpPr>
+      <p:sp>
+        <p:nvSpPr>
+          <p:cNvPr id="2" name="標題 1"/>
+          <p:cNvSpPr>
+            <a:spLocks noGrp="1"/>
+          </p:cNvSpPr>
+          <p:nvPr>
+            <p:ph type="title"/>
+          </p:nvPr>
+        </p:nvSpPr>
+        <p:spPr>
+          <a:xfrm>
+            <a:off x="684212" y="685800"/>
+            <a:ext cx="8534400" cy="1507067"/>
+          </a:xfrm>
+        </p:spPr>
+        <p:txBody>
+          <a:bodyPr/>
+          <a:lstStyle/>
+          <a:p>
+            <a:r>
+              <a:rPr kumimoji="1" lang="zh-TW" altLang="en-US" dirty="0" smtClean="0"/>
+              <a:t>聯絡一次就開戶</a:t>
+            </a:r>
+            <a:endParaRPr kumimoji="1" lang="zh-TW" altLang="en-US" dirty="0"/>
+          </a:p>
+        </p:txBody>
+      </p:sp>
+      <p:pic>
+        <p:nvPicPr>
+          <p:cNvPr id="4" name="內容版面配置區 3"/>
+          <p:cNvPicPr>
+            <a:picLocks noGrp="1" noChangeAspect="1"/>
+          </p:cNvPicPr>
+          <p:nvPr>
+            <p:ph idx="1"/>
+          </p:nvPr>
+        </p:nvPicPr>
+        <p:blipFill rotWithShape="1">
+          <a:blip r:embed="rId2">
+            <a:extLst>
+              <a:ext uri="{28A0092B-C50C-407E-A947-70E740481C1C}">
+                <a14:useLocalDpi xmlns:a14="http://schemas.microsoft.com/office/drawing/2010/main" val="0"/>
+              </a:ext>
+            </a:extLst>
+          </a:blip>
+          <a:srcRect l="8467" t="5783" r="7359" b="7534"/>
+          <a:stretch/>
+        </p:blipFill>
+        <p:spPr>
+          <a:xfrm>
+            <a:off x="5425544" y="562126"/>
+            <a:ext cx="5801256" cy="5974141"/>
+          </a:xfrm>
+        </p:spPr>
+      </p:pic>
+      <p:sp>
+        <p:nvSpPr>
+          <p:cNvPr id="5" name="內容版面配置區 2"/>
+          <p:cNvSpPr txBox="1">
+            <a:spLocks/>
+          </p:cNvSpPr>
+          <p:nvPr/>
+        </p:nvSpPr>
+        <p:spPr>
+          <a:xfrm>
+            <a:off x="684212" y="2192867"/>
+            <a:ext cx="6360055" cy="4038600"/>
+          </a:xfrm>
+          <a:prstGeom prst="rect">
+            <a:avLst/>
+          </a:prstGeom>
+        </p:spPr>
+        <p:txBody>
+          <a:bodyPr vert="horz" lIns="91440" tIns="45720" rIns="91440" bIns="45720" rtlCol="0" anchor="ctr">
+            <a:normAutofit/>
+          </a:bodyPr>
+          <a:lstStyle>
+            <a:lvl1pPr marL="285750" indent="-285750" algn="l" defTabSz="457200" rtl="0" eaLnBrk="1" latinLnBrk="0" hangingPunct="1">
+              <a:spcBef>
+                <a:spcPct val="20000"/>
+              </a:spcBef>
+              <a:spcAft>
+                <a:spcPts val="600"/>
+              </a:spcAft>
+              <a:buClr>
+                <a:schemeClr val="tx1"/>
+              </a:buClr>
+              <a:buSzPct val="80000"/>
+              <a:buFont typeface="Wingdings 3" panose="05040102010807070707" pitchFamily="18" charset="2"/>
+              <a:buChar char=""/>
+              <a:defRPr sz="2000" kern="1200" cap="none">
+                <a:solidFill>
+                  <a:schemeClr val="bg2">
+                    <a:lumMod val="50000"/>
+                  </a:schemeClr>
+                </a:solidFill>
+                <a:effectLst/>
+                <a:latin typeface="+mn-lt"/>
+                <a:ea typeface="+mn-ea"/>
+                <a:cs typeface="+mn-cs"/>
+              </a:defRPr>
+            </a:lvl1pPr>
+            <a:lvl2pPr marL="742950" indent="-285750" algn="l" defTabSz="457200" rtl="0" eaLnBrk="1" latinLnBrk="0" hangingPunct="1">
+              <a:spcBef>
+                <a:spcPct val="20000"/>
+              </a:spcBef>
+              <a:spcAft>
+                <a:spcPts val="600"/>
+              </a:spcAft>
+              <a:buClr>
+                <a:schemeClr val="tx1"/>
+              </a:buClr>
+              <a:buSzPct val="80000"/>
+              <a:buFont typeface="Wingdings 3" panose="05040102010807070707" pitchFamily="18" charset="2"/>
+              <a:buChar char=""/>
+              <a:defRPr sz="1800" kern="1200" cap="none">
+                <a:solidFill>
+                  <a:schemeClr val="bg2">
+                    <a:lumMod val="50000"/>
+                  </a:schemeClr>
+                </a:solidFill>
+                <a:effectLst/>
+                <a:latin typeface="+mn-lt"/>
+                <a:ea typeface="+mn-ea"/>
+                <a:cs typeface="+mn-cs"/>
+              </a:defRPr>
+            </a:lvl2pPr>
+            <a:lvl3pPr marL="1200150" indent="-285750" algn="l" defTabSz="457200" rtl="0" eaLnBrk="1" latinLnBrk="0" hangingPunct="1">
+              <a:spcBef>
+                <a:spcPct val="20000"/>
+              </a:spcBef>
+              <a:spcAft>
+                <a:spcPts val="600"/>
+              </a:spcAft>
+              <a:buClr>
+                <a:schemeClr val="tx1"/>
+              </a:buClr>
+              <a:buSzPct val="80000"/>
+              <a:buFont typeface="Wingdings 3" panose="05040102010807070707" pitchFamily="18" charset="2"/>
+              <a:buChar char=""/>
+              <a:defRPr sz="1600" kern="1200" cap="none">
+                <a:solidFill>
+                  <a:schemeClr val="bg2">
+                    <a:lumMod val="50000"/>
+                  </a:schemeClr>
+                </a:solidFill>
+                <a:effectLst/>
+                <a:latin typeface="+mn-lt"/>
+                <a:ea typeface="+mn-ea"/>
+                <a:cs typeface="+mn-cs"/>
+              </a:defRPr>
+            </a:lvl3pPr>
+            <a:lvl4pPr marL="1543050" indent="-171450" algn="l" defTabSz="457200" rtl="0" eaLnBrk="1" latinLnBrk="0" hangingPunct="1">
+              <a:spcBef>
+                <a:spcPct val="20000"/>
+              </a:spcBef>
+              <a:spcAft>
+                <a:spcPts val="600"/>
+              </a:spcAft>
+              <a:buClr>
+                <a:schemeClr val="tx1"/>
+              </a:buClr>
+              <a:buSzPct val="80000"/>
+              <a:buFont typeface="Wingdings 3" panose="05040102010807070707" pitchFamily="18" charset="2"/>
+              <a:buChar char=""/>
+              <a:defRPr sz="1400" kern="1200" cap="none">
+                <a:solidFill>
+                  <a:schemeClr val="bg2">
+                    <a:lumMod val="50000"/>
+                  </a:schemeClr>
+                </a:solidFill>
+                <a:effectLst/>
+                <a:latin typeface="+mn-lt"/>
+                <a:ea typeface="+mn-ea"/>
+                <a:cs typeface="+mn-cs"/>
+              </a:defRPr>
+            </a:lvl4pPr>
+            <a:lvl5pPr marL="2114550" indent="-285750" algn="l" defTabSz="457200" rtl="0" eaLnBrk="1" latinLnBrk="0" hangingPunct="1">
+              <a:spcBef>
+                <a:spcPct val="20000"/>
+              </a:spcBef>
+              <a:spcAft>
+                <a:spcPts val="600"/>
+              </a:spcAft>
+              <a:buClr>
+                <a:schemeClr val="tx1"/>
+              </a:buClr>
+              <a:buSzPct val="80000"/>
+              <a:buFont typeface="Wingdings 3" panose="05040102010807070707" pitchFamily="18" charset="2"/>
+              <a:buChar char=""/>
+              <a:defRPr sz="1400" kern="1200" cap="none">
+                <a:solidFill>
+                  <a:schemeClr val="bg2">
+                    <a:lumMod val="50000"/>
+                  </a:schemeClr>
+                </a:solidFill>
+                <a:effectLst/>
+                <a:latin typeface="+mn-lt"/>
+                <a:ea typeface="+mn-ea"/>
+                <a:cs typeface="+mn-cs"/>
+              </a:defRPr>
+            </a:lvl5pPr>
+            <a:lvl6pPr marL="2514600" indent="-228600" algn="l" defTabSz="457200" rtl="0" eaLnBrk="1" latinLnBrk="0" hangingPunct="1">
+              <a:spcBef>
+                <a:spcPct val="20000"/>
+              </a:spcBef>
+              <a:spcAft>
+                <a:spcPts val="600"/>
+              </a:spcAft>
+              <a:buClr>
+                <a:schemeClr val="tx1"/>
+              </a:buClr>
+              <a:buSzPct val="80000"/>
+              <a:buFont typeface="Wingdings 3" panose="05040102010807070707" pitchFamily="18" charset="2"/>
+              <a:buChar char=""/>
+              <a:defRPr sz="1400" kern="1200" cap="none">
+                <a:solidFill>
+                  <a:schemeClr val="bg2">
+                    <a:lumMod val="50000"/>
+                  </a:schemeClr>
+                </a:solidFill>
+                <a:effectLst/>
+                <a:latin typeface="+mn-lt"/>
+                <a:ea typeface="+mn-ea"/>
+                <a:cs typeface="+mn-cs"/>
+              </a:defRPr>
+            </a:lvl6pPr>
+            <a:lvl7pPr marL="2971800" indent="-228600" algn="l" defTabSz="457200" rtl="0" eaLnBrk="1" latinLnBrk="0" hangingPunct="1">
+              <a:spcBef>
+                <a:spcPct val="20000"/>
+              </a:spcBef>
+              <a:spcAft>
+                <a:spcPts val="600"/>
+              </a:spcAft>
+              <a:buClr>
+                <a:schemeClr val="tx1"/>
+              </a:buClr>
+              <a:buSzPct val="80000"/>
+              <a:buFont typeface="Wingdings 3" panose="05040102010807070707" pitchFamily="18" charset="2"/>
+              <a:buChar char=""/>
+              <a:defRPr sz="1400" kern="1200" cap="none">
+                <a:solidFill>
+                  <a:schemeClr val="bg2">
+                    <a:lumMod val="50000"/>
+                  </a:schemeClr>
+                </a:solidFill>
+                <a:effectLst/>
+                <a:latin typeface="+mn-lt"/>
+                <a:ea typeface="+mn-ea"/>
+                <a:cs typeface="+mn-cs"/>
+              </a:defRPr>
+            </a:lvl7pPr>
+            <a:lvl8pPr marL="3429000" indent="-228600" algn="l" defTabSz="457200" rtl="0" eaLnBrk="1" latinLnBrk="0" hangingPunct="1">
+              <a:spcBef>
+                <a:spcPct val="20000"/>
+              </a:spcBef>
+              <a:spcAft>
+                <a:spcPts val="600"/>
+              </a:spcAft>
+              <a:buClr>
+                <a:schemeClr val="tx1"/>
+              </a:buClr>
+              <a:buSzPct val="80000"/>
+              <a:buFont typeface="Wingdings 3" panose="05040102010807070707" pitchFamily="18" charset="2"/>
+              <a:buChar char=""/>
+              <a:defRPr sz="1400" kern="1200" cap="none">
+                <a:solidFill>
+                  <a:schemeClr val="bg2">
+                    <a:lumMod val="50000"/>
+                  </a:schemeClr>
+                </a:solidFill>
+                <a:effectLst/>
+                <a:latin typeface="+mn-lt"/>
+                <a:ea typeface="+mn-ea"/>
+                <a:cs typeface="+mn-cs"/>
+              </a:defRPr>
+            </a:lvl8pPr>
+            <a:lvl9pPr marL="3886200" indent="-228600" algn="l" defTabSz="457200" rtl="0" eaLnBrk="1" latinLnBrk="0" hangingPunct="1">
+              <a:spcBef>
+                <a:spcPct val="20000"/>
+              </a:spcBef>
+              <a:spcAft>
+                <a:spcPts val="600"/>
+              </a:spcAft>
+              <a:buClr>
+                <a:schemeClr val="tx1"/>
+              </a:buClr>
+              <a:buSzPct val="80000"/>
+              <a:buFont typeface="Wingdings 3" panose="05040102010807070707" pitchFamily="18" charset="2"/>
+              <a:buChar char=""/>
+              <a:defRPr sz="1400" kern="1200" cap="none">
+                <a:solidFill>
+                  <a:schemeClr val="bg2">
+                    <a:lumMod val="50000"/>
+                  </a:schemeClr>
+                </a:solidFill>
+                <a:effectLst/>
+                <a:latin typeface="+mn-lt"/>
+                <a:ea typeface="+mn-ea"/>
+                <a:cs typeface="+mn-cs"/>
+              </a:defRPr>
+            </a:lvl9pPr>
+          </a:lstStyle>
+          <a:p>
+            <a:r>
+              <a:rPr kumimoji="1" lang="zh-TW" altLang="en-US" dirty="0" smtClean="0"/>
+              <a:t>家庭戶</a:t>
+            </a:r>
+            <a:endParaRPr kumimoji="1" lang="en-US" altLang="zh-TW" dirty="0" smtClean="0"/>
+          </a:p>
+          <a:p>
+            <a:r>
+              <a:rPr kumimoji="1" lang="zh-TW" altLang="en-US" dirty="0" smtClean="0"/>
+              <a:t>開戶文件</a:t>
+            </a:r>
+            <a:endParaRPr kumimoji="1" lang="en-US" altLang="zh-TW" dirty="0" smtClean="0"/>
+          </a:p>
+          <a:p>
+            <a:r>
+              <a:rPr kumimoji="1" lang="zh-TW" altLang="en-US" dirty="0" smtClean="0"/>
+              <a:t>申請</a:t>
+            </a:r>
+            <a:endParaRPr kumimoji="1" lang="en-US" altLang="zh-TW" dirty="0" smtClean="0"/>
+          </a:p>
+          <a:p>
+            <a:r>
+              <a:rPr kumimoji="1" lang="zh-TW" altLang="en-US" dirty="0" smtClean="0"/>
+              <a:t>需要</a:t>
+            </a:r>
+            <a:endParaRPr kumimoji="1" lang="en-US" altLang="zh-TW" dirty="0" smtClean="0"/>
+          </a:p>
+          <a:p>
+            <a:r>
+              <a:rPr kumimoji="1" lang="zh-TW" altLang="en-US" dirty="0" smtClean="0"/>
+              <a:t>好好</a:t>
+            </a:r>
+            <a:endParaRPr kumimoji="1" lang="en-US" altLang="zh-TW" dirty="0" smtClean="0"/>
+          </a:p>
+          <a:p>
+            <a:r>
+              <a:rPr kumimoji="1" lang="zh-TW" altLang="en-US" dirty="0" smtClean="0"/>
+              <a:t>手機</a:t>
+            </a:r>
+            <a:endParaRPr kumimoji="1" lang="en-US" altLang="zh-TW" dirty="0" smtClean="0"/>
+          </a:p>
+          <a:p>
+            <a:r>
+              <a:rPr kumimoji="1" lang="en-US" altLang="zh-TW" dirty="0" smtClean="0"/>
+              <a:t>Mail</a:t>
+            </a:r>
+          </a:p>
+          <a:p>
+            <a:r>
+              <a:rPr kumimoji="1" lang="zh-TW" altLang="en-US" dirty="0" smtClean="0"/>
+              <a:t>推薦</a:t>
+            </a:r>
+            <a:endParaRPr kumimoji="1" lang="en-US" altLang="zh-TW" dirty="0" smtClean="0"/>
+          </a:p>
+          <a:p>
+            <a:r>
+              <a:rPr kumimoji="1" lang="zh-TW" altLang="en-US" dirty="0" smtClean="0"/>
+              <a:t>需要</a:t>
+            </a:r>
+            <a:endParaRPr kumimoji="1" lang="en-US" altLang="zh-TW" dirty="0" smtClean="0"/>
+          </a:p>
+          <a:p>
+            <a:endParaRPr kumimoji="1" lang="en-US" altLang="zh-TW" sz="2800" dirty="0" smtClean="0"/>
+          </a:p>
+        </p:txBody>
+      </p:sp>
+    </p:spTree>
+    <p:extLst>
+      <p:ext uri="{BB962C8B-B14F-4D97-AF65-F5344CB8AC3E}">
+        <p14:creationId xmlns:p14="http://schemas.microsoft.com/office/powerpoint/2010/main" val="1598520327"/>
+      </p:ext>
+    </p:extLst>
+  </p:cSld>
+  <p:clrMapOvr>
+    <a:masterClrMapping/>
+  </p:clrMapOvr>
+</p:sld>
+</file>
+
+<file path=ppt/slides/slide16.xml><?xml version="1.0" encoding="utf-8"?>
+<p:sld xmlns:a="http://schemas.openxmlformats.org/drawingml/2006/main" xmlns:r="http://schemas.openxmlformats.org/officeDocument/2006/relationships" xmlns:p="http://schemas.openxmlformats.org/presentationml/2006/main">
+  <p:cSld>
+    <p:spTree>
+      <p:nvGrpSpPr>
+        <p:cNvPr id="1" name=""/>
+        <p:cNvGrpSpPr/>
+        <p:nvPr/>
+      </p:nvGrpSpPr>
+      <p:grpSpPr>
+        <a:xfrm>
+          <a:off x="0" y="0"/>
+          <a:ext cx="0" cy="0"/>
+          <a:chOff x="0" y="0"/>
+          <a:chExt cx="0" cy="0"/>
+        </a:xfrm>
+      </p:grpSpPr>
+      <p:sp>
+        <p:nvSpPr>
+          <p:cNvPr id="2" name="標題 1"/>
+          <p:cNvSpPr>
+            <a:spLocks noGrp="1"/>
+          </p:cNvSpPr>
+          <p:nvPr>
+            <p:ph type="title"/>
+          </p:nvPr>
+        </p:nvSpPr>
+        <p:spPr>
+          <a:xfrm>
+            <a:off x="684212" y="685800"/>
+            <a:ext cx="8534400" cy="1507067"/>
+          </a:xfrm>
+        </p:spPr>
+        <p:txBody>
+          <a:bodyPr/>
+          <a:lstStyle/>
+          <a:p>
+            <a:r>
+              <a:rPr kumimoji="1" lang="zh-TW" altLang="en-US" dirty="0" smtClean="0"/>
+              <a:t>聯絡</a:t>
+            </a:r>
+            <a:r>
+              <a:rPr kumimoji="1" lang="en-US" altLang="zh-TW" dirty="0" smtClean="0"/>
+              <a:t>(</a:t>
+            </a:r>
+            <a:r>
+              <a:rPr kumimoji="1" lang="zh-TW" altLang="en-US" dirty="0" smtClean="0"/>
+              <a:t>多次</a:t>
+            </a:r>
+            <a:r>
+              <a:rPr kumimoji="1" lang="en-US" altLang="zh-TW" dirty="0" smtClean="0"/>
+              <a:t>)</a:t>
+            </a:r>
+            <a:r>
+              <a:rPr kumimoji="1" lang="zh-TW" altLang="en-US" dirty="0" smtClean="0"/>
+              <a:t>三次以上但未開戶</a:t>
+            </a:r>
+            <a:endParaRPr kumimoji="1" lang="zh-TW" altLang="en-US" dirty="0"/>
+          </a:p>
+        </p:txBody>
+      </p:sp>
+      <p:pic>
+        <p:nvPicPr>
+          <p:cNvPr id="4" name="內容版面配置區 3"/>
+          <p:cNvPicPr>
+            <a:picLocks noGrp="1" noChangeAspect="1"/>
+          </p:cNvPicPr>
+          <p:nvPr>
+            <p:ph idx="1"/>
+          </p:nvPr>
+        </p:nvPicPr>
+        <p:blipFill rotWithShape="1">
+          <a:blip r:embed="rId2">
+            <a:extLst>
+              <a:ext uri="{28A0092B-C50C-407E-A947-70E740481C1C}">
+                <a14:useLocalDpi xmlns:a14="http://schemas.microsoft.com/office/drawing/2010/main" val="0"/>
+              </a:ext>
+            </a:extLst>
+          </a:blip>
+          <a:srcRect l="8136" t="6336" r="7112" b="8443"/>
+          <a:stretch/>
+        </p:blipFill>
+        <p:spPr>
+          <a:xfrm>
+            <a:off x="6651301" y="931333"/>
+            <a:ext cx="5439415" cy="5469467"/>
+          </a:xfrm>
+        </p:spPr>
+      </p:pic>
+      <p:sp>
+        <p:nvSpPr>
+          <p:cNvPr id="6" name="內容版面配置區 2"/>
+          <p:cNvSpPr txBox="1">
+            <a:spLocks/>
+          </p:cNvSpPr>
+          <p:nvPr/>
+        </p:nvSpPr>
+        <p:spPr>
+          <a:xfrm>
+            <a:off x="684212" y="2192866"/>
+            <a:ext cx="6360055" cy="1228065"/>
+          </a:xfrm>
+          <a:prstGeom prst="rect">
+            <a:avLst/>
+          </a:prstGeom>
+        </p:spPr>
+        <p:txBody>
+          <a:bodyPr vert="horz" lIns="91440" tIns="45720" rIns="91440" bIns="45720" rtlCol="0" anchor="ctr">
+            <a:normAutofit fontScale="92500" lnSpcReduction="10000"/>
+          </a:bodyPr>
+          <a:lstStyle>
+            <a:lvl1pPr marL="285750" indent="-285750" algn="l" defTabSz="457200" rtl="0" eaLnBrk="1" latinLnBrk="0" hangingPunct="1">
+              <a:spcBef>
+                <a:spcPct val="20000"/>
+              </a:spcBef>
+              <a:spcAft>
+                <a:spcPts val="600"/>
+              </a:spcAft>
+              <a:buClr>
+                <a:schemeClr val="tx1"/>
+              </a:buClr>
+              <a:buSzPct val="80000"/>
+              <a:buFont typeface="Wingdings 3" panose="05040102010807070707" pitchFamily="18" charset="2"/>
+              <a:buChar char=""/>
+              <a:defRPr sz="2000" kern="1200" cap="none">
+                <a:solidFill>
+                  <a:schemeClr val="bg2">
+                    <a:lumMod val="50000"/>
+                  </a:schemeClr>
+                </a:solidFill>
+                <a:effectLst/>
+                <a:latin typeface="+mn-lt"/>
+                <a:ea typeface="+mn-ea"/>
+                <a:cs typeface="+mn-cs"/>
+              </a:defRPr>
+            </a:lvl1pPr>
+            <a:lvl2pPr marL="742950" indent="-285750" algn="l" defTabSz="457200" rtl="0" eaLnBrk="1" latinLnBrk="0" hangingPunct="1">
+              <a:spcBef>
+                <a:spcPct val="20000"/>
+              </a:spcBef>
+              <a:spcAft>
+                <a:spcPts val="600"/>
+              </a:spcAft>
+              <a:buClr>
+                <a:schemeClr val="tx1"/>
+              </a:buClr>
+              <a:buSzPct val="80000"/>
+              <a:buFont typeface="Wingdings 3" panose="05040102010807070707" pitchFamily="18" charset="2"/>
+              <a:buChar char=""/>
+              <a:defRPr sz="1800" kern="1200" cap="none">
+                <a:solidFill>
+                  <a:schemeClr val="bg2">
+                    <a:lumMod val="50000"/>
+                  </a:schemeClr>
+                </a:solidFill>
+                <a:effectLst/>
+                <a:latin typeface="+mn-lt"/>
+                <a:ea typeface="+mn-ea"/>
+                <a:cs typeface="+mn-cs"/>
+              </a:defRPr>
+            </a:lvl2pPr>
+            <a:lvl3pPr marL="1200150" indent="-285750" algn="l" defTabSz="457200" rtl="0" eaLnBrk="1" latinLnBrk="0" hangingPunct="1">
+              <a:spcBef>
+                <a:spcPct val="20000"/>
+              </a:spcBef>
+              <a:spcAft>
+                <a:spcPts val="600"/>
+              </a:spcAft>
+              <a:buClr>
+                <a:schemeClr val="tx1"/>
+              </a:buClr>
+              <a:buSzPct val="80000"/>
+              <a:buFont typeface="Wingdings 3" panose="05040102010807070707" pitchFamily="18" charset="2"/>
+              <a:buChar char=""/>
+              <a:defRPr sz="1600" kern="1200" cap="none">
+                <a:solidFill>
+                  <a:schemeClr val="bg2">
+                    <a:lumMod val="50000"/>
+                  </a:schemeClr>
+                </a:solidFill>
+                <a:effectLst/>
+                <a:latin typeface="+mn-lt"/>
+                <a:ea typeface="+mn-ea"/>
+                <a:cs typeface="+mn-cs"/>
+              </a:defRPr>
+            </a:lvl3pPr>
+            <a:lvl4pPr marL="1543050" indent="-171450" algn="l" defTabSz="457200" rtl="0" eaLnBrk="1" latinLnBrk="0" hangingPunct="1">
+              <a:spcBef>
+                <a:spcPct val="20000"/>
+              </a:spcBef>
+              <a:spcAft>
+                <a:spcPts val="600"/>
+              </a:spcAft>
+              <a:buClr>
+                <a:schemeClr val="tx1"/>
+              </a:buClr>
+              <a:buSzPct val="80000"/>
+              <a:buFont typeface="Wingdings 3" panose="05040102010807070707" pitchFamily="18" charset="2"/>
+              <a:buChar char=""/>
+              <a:defRPr sz="1400" kern="1200" cap="none">
+                <a:solidFill>
+                  <a:schemeClr val="bg2">
+                    <a:lumMod val="50000"/>
+                  </a:schemeClr>
+                </a:solidFill>
+                <a:effectLst/>
+                <a:latin typeface="+mn-lt"/>
+                <a:ea typeface="+mn-ea"/>
+                <a:cs typeface="+mn-cs"/>
+              </a:defRPr>
+            </a:lvl4pPr>
+            <a:lvl5pPr marL="2114550" indent="-285750" algn="l" defTabSz="457200" rtl="0" eaLnBrk="1" latinLnBrk="0" hangingPunct="1">
+              <a:spcBef>
+                <a:spcPct val="20000"/>
+              </a:spcBef>
+              <a:spcAft>
+                <a:spcPts val="600"/>
+              </a:spcAft>
+              <a:buClr>
+                <a:schemeClr val="tx1"/>
+              </a:buClr>
+              <a:buSzPct val="80000"/>
+              <a:buFont typeface="Wingdings 3" panose="05040102010807070707" pitchFamily="18" charset="2"/>
+              <a:buChar char=""/>
+              <a:defRPr sz="1400" kern="1200" cap="none">
+                <a:solidFill>
+                  <a:schemeClr val="bg2">
+                    <a:lumMod val="50000"/>
+                  </a:schemeClr>
+                </a:solidFill>
+                <a:effectLst/>
+                <a:latin typeface="+mn-lt"/>
+                <a:ea typeface="+mn-ea"/>
+                <a:cs typeface="+mn-cs"/>
+              </a:defRPr>
+            </a:lvl5pPr>
+            <a:lvl6pPr marL="2514600" indent="-228600" algn="l" defTabSz="457200" rtl="0" eaLnBrk="1" latinLnBrk="0" hangingPunct="1">
+              <a:spcBef>
+                <a:spcPct val="20000"/>
+              </a:spcBef>
+              <a:spcAft>
+                <a:spcPts val="600"/>
+              </a:spcAft>
+              <a:buClr>
+                <a:schemeClr val="tx1"/>
+              </a:buClr>
+              <a:buSzPct val="80000"/>
+              <a:buFont typeface="Wingdings 3" panose="05040102010807070707" pitchFamily="18" charset="2"/>
+              <a:buChar char=""/>
+              <a:defRPr sz="1400" kern="1200" cap="none">
+                <a:solidFill>
+                  <a:schemeClr val="bg2">
+                    <a:lumMod val="50000"/>
+                  </a:schemeClr>
+                </a:solidFill>
+                <a:effectLst/>
+                <a:latin typeface="+mn-lt"/>
+                <a:ea typeface="+mn-ea"/>
+                <a:cs typeface="+mn-cs"/>
+              </a:defRPr>
+            </a:lvl6pPr>
+            <a:lvl7pPr marL="2971800" indent="-228600" algn="l" defTabSz="457200" rtl="0" eaLnBrk="1" latinLnBrk="0" hangingPunct="1">
+              <a:spcBef>
+                <a:spcPct val="20000"/>
+              </a:spcBef>
+              <a:spcAft>
+                <a:spcPts val="600"/>
+              </a:spcAft>
+              <a:buClr>
+                <a:schemeClr val="tx1"/>
+              </a:buClr>
+              <a:buSzPct val="80000"/>
+              <a:buFont typeface="Wingdings 3" panose="05040102010807070707" pitchFamily="18" charset="2"/>
+              <a:buChar char=""/>
+              <a:defRPr sz="1400" kern="1200" cap="none">
+                <a:solidFill>
+                  <a:schemeClr val="bg2">
+                    <a:lumMod val="50000"/>
+                  </a:schemeClr>
+                </a:solidFill>
+                <a:effectLst/>
+                <a:latin typeface="+mn-lt"/>
+                <a:ea typeface="+mn-ea"/>
+                <a:cs typeface="+mn-cs"/>
+              </a:defRPr>
+            </a:lvl7pPr>
+            <a:lvl8pPr marL="3429000" indent="-228600" algn="l" defTabSz="457200" rtl="0" eaLnBrk="1" latinLnBrk="0" hangingPunct="1">
+              <a:spcBef>
+                <a:spcPct val="20000"/>
+              </a:spcBef>
+              <a:spcAft>
+                <a:spcPts val="600"/>
+              </a:spcAft>
+              <a:buClr>
+                <a:schemeClr val="tx1"/>
+              </a:buClr>
+              <a:buSzPct val="80000"/>
+              <a:buFont typeface="Wingdings 3" panose="05040102010807070707" pitchFamily="18" charset="2"/>
+              <a:buChar char=""/>
+              <a:defRPr sz="1400" kern="1200" cap="none">
+                <a:solidFill>
+                  <a:schemeClr val="bg2">
+                    <a:lumMod val="50000"/>
+                  </a:schemeClr>
+                </a:solidFill>
+                <a:effectLst/>
+                <a:latin typeface="+mn-lt"/>
+                <a:ea typeface="+mn-ea"/>
+                <a:cs typeface="+mn-cs"/>
+              </a:defRPr>
+            </a:lvl8pPr>
+            <a:lvl9pPr marL="3886200" indent="-228600" algn="l" defTabSz="457200" rtl="0" eaLnBrk="1" latinLnBrk="0" hangingPunct="1">
+              <a:spcBef>
+                <a:spcPct val="20000"/>
+              </a:spcBef>
+              <a:spcAft>
+                <a:spcPts val="600"/>
+              </a:spcAft>
+              <a:buClr>
+                <a:schemeClr val="tx1"/>
+              </a:buClr>
+              <a:buSzPct val="80000"/>
+              <a:buFont typeface="Wingdings 3" panose="05040102010807070707" pitchFamily="18" charset="2"/>
+              <a:buChar char=""/>
+              <a:defRPr sz="1400" kern="1200" cap="none">
+                <a:solidFill>
+                  <a:schemeClr val="bg2">
+                    <a:lumMod val="50000"/>
+                  </a:schemeClr>
+                </a:solidFill>
+                <a:effectLst/>
+                <a:latin typeface="+mn-lt"/>
+                <a:ea typeface="+mn-ea"/>
+                <a:cs typeface="+mn-cs"/>
+              </a:defRPr>
+            </a:lvl9pPr>
+          </a:lstStyle>
+          <a:p>
+            <a:r>
+              <a:rPr kumimoji="1" lang="zh-TW" altLang="en-US" dirty="0" smtClean="0"/>
+              <a:t>沒有</a:t>
+            </a:r>
+            <a:endParaRPr kumimoji="1" lang="en-US" altLang="zh-TW" dirty="0" smtClean="0"/>
+          </a:p>
+          <a:p>
+            <a:r>
+              <a:rPr kumimoji="1" lang="zh-TW" altLang="en-US" dirty="0" smtClean="0"/>
+              <a:t>轉介</a:t>
+            </a:r>
+            <a:endParaRPr kumimoji="1" lang="en-US" altLang="zh-TW" dirty="0" smtClean="0"/>
+          </a:p>
+          <a:p>
+            <a:r>
+              <a:rPr kumimoji="1" lang="zh-TW" altLang="en-US" dirty="0" smtClean="0"/>
+              <a:t>追蹤</a:t>
+            </a:r>
+            <a:endParaRPr kumimoji="1" lang="en-US" altLang="zh-TW" dirty="0" smtClean="0"/>
+          </a:p>
+        </p:txBody>
+      </p:sp>
+    </p:spTree>
+    <p:extLst>
+      <p:ext uri="{BB962C8B-B14F-4D97-AF65-F5344CB8AC3E}">
+        <p14:creationId xmlns:p14="http://schemas.microsoft.com/office/powerpoint/2010/main" val="19768447"/>
+      </p:ext>
+    </p:extLst>
+  </p:cSld>
+  <p:clrMapOvr>
+    <a:masterClrMapping/>
+  </p:clrMapOvr>
+</p:sld>
+</file>
+
+<file path=ppt/slides/slide17.xml><?xml version="1.0" encoding="utf-8"?>
+<p:sld xmlns:a="http://schemas.openxmlformats.org/drawingml/2006/main" xmlns:r="http://schemas.openxmlformats.org/officeDocument/2006/relationships" xmlns:p="http://schemas.openxmlformats.org/presentationml/2006/main">
+  <p:cSld>
+    <p:spTree>
+      <p:nvGrpSpPr>
+        <p:cNvPr id="1" name=""/>
+        <p:cNvGrpSpPr/>
+        <p:nvPr/>
+      </p:nvGrpSpPr>
+      <p:grpSpPr>
+        <a:xfrm>
+          <a:off x="0" y="0"/>
+          <a:ext cx="0" cy="0"/>
+          <a:chOff x="0" y="0"/>
+          <a:chExt cx="0" cy="0"/>
+        </a:xfrm>
+      </p:grpSpPr>
+      <p:sp>
+        <p:nvSpPr>
+          <p:cNvPr id="2" name="標題 1"/>
+          <p:cNvSpPr>
+            <a:spLocks noGrp="1"/>
+          </p:cNvSpPr>
+          <p:nvPr>
+            <p:ph type="title"/>
+          </p:nvPr>
+        </p:nvSpPr>
+        <p:spPr>
+          <a:xfrm>
+            <a:off x="684212" y="685800"/>
+            <a:ext cx="8534400" cy="1507067"/>
+          </a:xfrm>
+        </p:spPr>
+        <p:txBody>
+          <a:bodyPr/>
+          <a:lstStyle/>
+          <a:p>
+            <a:r>
+              <a:rPr lang="zh-TW" altLang="en-US" dirty="0"/>
+              <a:t>開戶且有交易</a:t>
+            </a:r>
+            <a:r>
+              <a:rPr lang="en-US" altLang="zh-TW" dirty="0"/>
+              <a:t>(</a:t>
+            </a:r>
+            <a:r>
+              <a:rPr lang="zh-TW" altLang="en-US" dirty="0"/>
+              <a:t>話</a:t>
+            </a:r>
+            <a:r>
+              <a:rPr lang="zh-TW" altLang="en-US" dirty="0" smtClean="0"/>
+              <a:t>術成功</a:t>
+            </a:r>
+            <a:r>
+              <a:rPr lang="en-US" altLang="zh-TW" dirty="0" smtClean="0"/>
+              <a:t>)</a:t>
+            </a:r>
+            <a:endParaRPr kumimoji="1" lang="zh-TW" altLang="en-US" dirty="0"/>
+          </a:p>
+        </p:txBody>
+      </p:sp>
+      <p:pic>
+        <p:nvPicPr>
+          <p:cNvPr id="4" name="內容版面配置區 3"/>
+          <p:cNvPicPr>
+            <a:picLocks noGrp="1" noChangeAspect="1"/>
+          </p:cNvPicPr>
+          <p:nvPr>
+            <p:ph idx="1"/>
+          </p:nvPr>
+        </p:nvPicPr>
+        <p:blipFill rotWithShape="1">
+          <a:blip r:embed="rId2">
+            <a:extLst>
+              <a:ext uri="{28A0092B-C50C-407E-A947-70E740481C1C}">
+                <a14:useLocalDpi xmlns:a14="http://schemas.microsoft.com/office/drawing/2010/main" val="0"/>
+              </a:ext>
+            </a:extLst>
+          </a:blip>
+          <a:srcRect l="7667" t="5385" r="7112" b="8926"/>
+          <a:stretch/>
+        </p:blipFill>
+        <p:spPr>
+          <a:xfrm>
+            <a:off x="6214533" y="685800"/>
+            <a:ext cx="5540625" cy="5571067"/>
+          </a:xfrm>
+        </p:spPr>
+      </p:pic>
+      <p:sp>
+        <p:nvSpPr>
+          <p:cNvPr id="5" name="內容版面配置區 2"/>
+          <p:cNvSpPr txBox="1">
+            <a:spLocks/>
+          </p:cNvSpPr>
+          <p:nvPr/>
+        </p:nvSpPr>
+        <p:spPr>
+          <a:xfrm>
+            <a:off x="684212" y="2192867"/>
+            <a:ext cx="6360055" cy="4038600"/>
+          </a:xfrm>
+          <a:prstGeom prst="rect">
+            <a:avLst/>
+          </a:prstGeom>
+        </p:spPr>
+        <p:txBody>
+          <a:bodyPr vert="horz" lIns="91440" tIns="45720" rIns="91440" bIns="45720" rtlCol="0" anchor="ctr">
+            <a:normAutofit/>
+          </a:bodyPr>
+          <a:lstStyle>
+            <a:lvl1pPr marL="285750" indent="-285750" algn="l" defTabSz="457200" rtl="0" eaLnBrk="1" latinLnBrk="0" hangingPunct="1">
+              <a:spcBef>
+                <a:spcPct val="20000"/>
+              </a:spcBef>
+              <a:spcAft>
+                <a:spcPts val="600"/>
+              </a:spcAft>
+              <a:buClr>
+                <a:schemeClr val="tx1"/>
+              </a:buClr>
+              <a:buSzPct val="80000"/>
+              <a:buFont typeface="Wingdings 3" panose="05040102010807070707" pitchFamily="18" charset="2"/>
+              <a:buChar char=""/>
+              <a:defRPr sz="2000" kern="1200" cap="none">
+                <a:solidFill>
+                  <a:schemeClr val="bg2">
+                    <a:lumMod val="50000"/>
+                  </a:schemeClr>
+                </a:solidFill>
+                <a:effectLst/>
+                <a:latin typeface="+mn-lt"/>
+                <a:ea typeface="+mn-ea"/>
+                <a:cs typeface="+mn-cs"/>
+              </a:defRPr>
+            </a:lvl1pPr>
+            <a:lvl2pPr marL="742950" indent="-285750" algn="l" defTabSz="457200" rtl="0" eaLnBrk="1" latinLnBrk="0" hangingPunct="1">
+              <a:spcBef>
+                <a:spcPct val="20000"/>
+              </a:spcBef>
+              <a:spcAft>
+                <a:spcPts val="600"/>
+              </a:spcAft>
+              <a:buClr>
+                <a:schemeClr val="tx1"/>
+              </a:buClr>
+              <a:buSzPct val="80000"/>
+              <a:buFont typeface="Wingdings 3" panose="05040102010807070707" pitchFamily="18" charset="2"/>
+              <a:buChar char=""/>
+              <a:defRPr sz="1800" kern="1200" cap="none">
+                <a:solidFill>
+                  <a:schemeClr val="bg2">
+                    <a:lumMod val="50000"/>
+                  </a:schemeClr>
+                </a:solidFill>
+                <a:effectLst/>
+                <a:latin typeface="+mn-lt"/>
+                <a:ea typeface="+mn-ea"/>
+                <a:cs typeface="+mn-cs"/>
+              </a:defRPr>
+            </a:lvl2pPr>
+            <a:lvl3pPr marL="1200150" indent="-285750" algn="l" defTabSz="457200" rtl="0" eaLnBrk="1" latinLnBrk="0" hangingPunct="1">
+              <a:spcBef>
+                <a:spcPct val="20000"/>
+              </a:spcBef>
+              <a:spcAft>
+                <a:spcPts val="600"/>
+              </a:spcAft>
+              <a:buClr>
+                <a:schemeClr val="tx1"/>
+              </a:buClr>
+              <a:buSzPct val="80000"/>
+              <a:buFont typeface="Wingdings 3" panose="05040102010807070707" pitchFamily="18" charset="2"/>
+              <a:buChar char=""/>
+              <a:defRPr sz="1600" kern="1200" cap="none">
+                <a:solidFill>
+                  <a:schemeClr val="bg2">
+                    <a:lumMod val="50000"/>
+                  </a:schemeClr>
+                </a:solidFill>
+                <a:effectLst/>
+                <a:latin typeface="+mn-lt"/>
+                <a:ea typeface="+mn-ea"/>
+                <a:cs typeface="+mn-cs"/>
+              </a:defRPr>
+            </a:lvl3pPr>
+            <a:lvl4pPr marL="1543050" indent="-171450" algn="l" defTabSz="457200" rtl="0" eaLnBrk="1" latinLnBrk="0" hangingPunct="1">
+              <a:spcBef>
+                <a:spcPct val="20000"/>
+              </a:spcBef>
+              <a:spcAft>
+                <a:spcPts val="600"/>
+              </a:spcAft>
+              <a:buClr>
+                <a:schemeClr val="tx1"/>
+              </a:buClr>
+              <a:buSzPct val="80000"/>
+              <a:buFont typeface="Wingdings 3" panose="05040102010807070707" pitchFamily="18" charset="2"/>
+              <a:buChar char=""/>
+              <a:defRPr sz="1400" kern="1200" cap="none">
+                <a:solidFill>
+                  <a:schemeClr val="bg2">
+                    <a:lumMod val="50000"/>
+                  </a:schemeClr>
+                </a:solidFill>
+                <a:effectLst/>
+                <a:latin typeface="+mn-lt"/>
+                <a:ea typeface="+mn-ea"/>
+                <a:cs typeface="+mn-cs"/>
+              </a:defRPr>
+            </a:lvl4pPr>
+            <a:lvl5pPr marL="2114550" indent="-285750" algn="l" defTabSz="457200" rtl="0" eaLnBrk="1" latinLnBrk="0" hangingPunct="1">
+              <a:spcBef>
+                <a:spcPct val="20000"/>
+              </a:spcBef>
+              <a:spcAft>
+                <a:spcPts val="600"/>
+              </a:spcAft>
+              <a:buClr>
+                <a:schemeClr val="tx1"/>
+              </a:buClr>
+              <a:buSzPct val="80000"/>
+              <a:buFont typeface="Wingdings 3" panose="05040102010807070707" pitchFamily="18" charset="2"/>
+              <a:buChar char=""/>
+              <a:defRPr sz="1400" kern="1200" cap="none">
+                <a:solidFill>
+                  <a:schemeClr val="bg2">
+                    <a:lumMod val="50000"/>
+                  </a:schemeClr>
+                </a:solidFill>
+                <a:effectLst/>
+                <a:latin typeface="+mn-lt"/>
+                <a:ea typeface="+mn-ea"/>
+                <a:cs typeface="+mn-cs"/>
+              </a:defRPr>
+            </a:lvl5pPr>
+            <a:lvl6pPr marL="2514600" indent="-228600" algn="l" defTabSz="457200" rtl="0" eaLnBrk="1" latinLnBrk="0" hangingPunct="1">
+              <a:spcBef>
+                <a:spcPct val="20000"/>
+              </a:spcBef>
+              <a:spcAft>
+                <a:spcPts val="600"/>
+              </a:spcAft>
+              <a:buClr>
+                <a:schemeClr val="tx1"/>
+              </a:buClr>
+              <a:buSzPct val="80000"/>
+              <a:buFont typeface="Wingdings 3" panose="05040102010807070707" pitchFamily="18" charset="2"/>
+              <a:buChar char=""/>
+              <a:defRPr sz="1400" kern="1200" cap="none">
+                <a:solidFill>
+                  <a:schemeClr val="bg2">
+                    <a:lumMod val="50000"/>
+                  </a:schemeClr>
+                </a:solidFill>
+                <a:effectLst/>
+                <a:latin typeface="+mn-lt"/>
+                <a:ea typeface="+mn-ea"/>
+                <a:cs typeface="+mn-cs"/>
+              </a:defRPr>
+            </a:lvl6pPr>
+            <a:lvl7pPr marL="2971800" indent="-228600" algn="l" defTabSz="457200" rtl="0" eaLnBrk="1" latinLnBrk="0" hangingPunct="1">
+              <a:spcBef>
+                <a:spcPct val="20000"/>
+              </a:spcBef>
+              <a:spcAft>
+                <a:spcPts val="600"/>
+              </a:spcAft>
+              <a:buClr>
+                <a:schemeClr val="tx1"/>
+              </a:buClr>
+              <a:buSzPct val="80000"/>
+              <a:buFont typeface="Wingdings 3" panose="05040102010807070707" pitchFamily="18" charset="2"/>
+              <a:buChar char=""/>
+              <a:defRPr sz="1400" kern="1200" cap="none">
+                <a:solidFill>
+                  <a:schemeClr val="bg2">
+                    <a:lumMod val="50000"/>
+                  </a:schemeClr>
+                </a:solidFill>
+                <a:effectLst/>
+                <a:latin typeface="+mn-lt"/>
+                <a:ea typeface="+mn-ea"/>
+                <a:cs typeface="+mn-cs"/>
+              </a:defRPr>
+            </a:lvl7pPr>
+            <a:lvl8pPr marL="3429000" indent="-228600" algn="l" defTabSz="457200" rtl="0" eaLnBrk="1" latinLnBrk="0" hangingPunct="1">
+              <a:spcBef>
+                <a:spcPct val="20000"/>
+              </a:spcBef>
+              <a:spcAft>
+                <a:spcPts val="600"/>
+              </a:spcAft>
+              <a:buClr>
+                <a:schemeClr val="tx1"/>
+              </a:buClr>
+              <a:buSzPct val="80000"/>
+              <a:buFont typeface="Wingdings 3" panose="05040102010807070707" pitchFamily="18" charset="2"/>
+              <a:buChar char=""/>
+              <a:defRPr sz="1400" kern="1200" cap="none">
+                <a:solidFill>
+                  <a:schemeClr val="bg2">
+                    <a:lumMod val="50000"/>
+                  </a:schemeClr>
+                </a:solidFill>
+                <a:effectLst/>
+                <a:latin typeface="+mn-lt"/>
+                <a:ea typeface="+mn-ea"/>
+                <a:cs typeface="+mn-cs"/>
+              </a:defRPr>
+            </a:lvl8pPr>
+            <a:lvl9pPr marL="3886200" indent="-228600" algn="l" defTabSz="457200" rtl="0" eaLnBrk="1" latinLnBrk="0" hangingPunct="1">
+              <a:spcBef>
+                <a:spcPct val="20000"/>
+              </a:spcBef>
+              <a:spcAft>
+                <a:spcPts val="600"/>
+              </a:spcAft>
+              <a:buClr>
+                <a:schemeClr val="tx1"/>
+              </a:buClr>
+              <a:buSzPct val="80000"/>
+              <a:buFont typeface="Wingdings 3" panose="05040102010807070707" pitchFamily="18" charset="2"/>
+              <a:buChar char=""/>
+              <a:defRPr sz="1400" kern="1200" cap="none">
+                <a:solidFill>
+                  <a:schemeClr val="bg2">
+                    <a:lumMod val="50000"/>
+                  </a:schemeClr>
+                </a:solidFill>
+                <a:effectLst/>
+                <a:latin typeface="+mn-lt"/>
+                <a:ea typeface="+mn-ea"/>
+                <a:cs typeface="+mn-cs"/>
+              </a:defRPr>
+            </a:lvl9pPr>
+          </a:lstStyle>
+          <a:p>
+            <a:r>
+              <a:rPr kumimoji="1" lang="zh-TW" altLang="en-US" dirty="0" smtClean="0"/>
+              <a:t>家庭戶</a:t>
+            </a:r>
+            <a:endParaRPr kumimoji="1" lang="en-US" altLang="zh-TW" dirty="0" smtClean="0"/>
+          </a:p>
+          <a:p>
+            <a:r>
+              <a:rPr kumimoji="1" lang="zh-TW" altLang="en-US" dirty="0" smtClean="0"/>
+              <a:t>買</a:t>
+            </a:r>
+            <a:endParaRPr kumimoji="1" lang="en-US" altLang="zh-TW" dirty="0" smtClean="0"/>
+          </a:p>
+          <a:p>
+            <a:r>
+              <a:rPr kumimoji="1" lang="zh-TW" altLang="en-US" dirty="0" smtClean="0"/>
+              <a:t>扣款</a:t>
+            </a:r>
+            <a:endParaRPr kumimoji="1" lang="en-US" altLang="zh-TW" dirty="0" smtClean="0"/>
+          </a:p>
+          <a:p>
+            <a:r>
+              <a:rPr kumimoji="1" lang="zh-TW" altLang="en-US" dirty="0" smtClean="0"/>
+              <a:t>手機</a:t>
+            </a:r>
+            <a:endParaRPr kumimoji="1" lang="en-US" altLang="zh-TW" dirty="0" smtClean="0"/>
+          </a:p>
+          <a:p>
+            <a:r>
+              <a:rPr kumimoji="1" lang="zh-TW" altLang="en-US" dirty="0" smtClean="0"/>
+              <a:t>中國債</a:t>
+            </a:r>
+            <a:endParaRPr kumimoji="1" lang="en-US" altLang="zh-TW" dirty="0" smtClean="0"/>
+          </a:p>
+          <a:p>
+            <a:r>
+              <a:rPr kumimoji="1" lang="zh-TW" altLang="en-US" dirty="0" smtClean="0"/>
+              <a:t>人民幣</a:t>
+            </a:r>
+            <a:endParaRPr kumimoji="1" lang="en-US" altLang="zh-TW" dirty="0" smtClean="0"/>
+          </a:p>
+          <a:p>
+            <a:r>
+              <a:rPr kumimoji="1" lang="zh-TW" altLang="en-US" dirty="0" smtClean="0"/>
+              <a:t>環球</a:t>
+            </a:r>
+            <a:endParaRPr kumimoji="1" lang="en-US" altLang="zh-TW" dirty="0" smtClean="0"/>
+          </a:p>
+        </p:txBody>
+      </p:sp>
+    </p:spTree>
+    <p:extLst>
+      <p:ext uri="{BB962C8B-B14F-4D97-AF65-F5344CB8AC3E}">
+        <p14:creationId xmlns:p14="http://schemas.microsoft.com/office/powerpoint/2010/main" val="653648757"/>
+      </p:ext>
+    </p:extLst>
+  </p:cSld>
+  <p:clrMapOvr>
+    <a:masterClrMapping/>
+  </p:clrMapOvr>
+</p:sld>
+</file>
+
+<file path=ppt/slides/slide18.xml><?xml version="1.0" encoding="utf-8"?>
+<p:sld xmlns:a="http://schemas.openxmlformats.org/drawingml/2006/main" xmlns:r="http://schemas.openxmlformats.org/officeDocument/2006/relationships" xmlns:p="http://schemas.openxmlformats.org/presentationml/2006/main">
+  <p:cSld>
+    <p:spTree>
+      <p:nvGrpSpPr>
+        <p:cNvPr id="1" name=""/>
+        <p:cNvGrpSpPr/>
+        <p:nvPr/>
+      </p:nvGrpSpPr>
+      <p:grpSpPr>
+        <a:xfrm>
+          <a:off x="0" y="0"/>
+          <a:ext cx="0" cy="0"/>
+          <a:chOff x="0" y="0"/>
+          <a:chExt cx="0" cy="0"/>
+        </a:xfrm>
+      </p:grpSpPr>
+      <p:sp>
+        <p:nvSpPr>
+          <p:cNvPr id="2" name="標題 1"/>
+          <p:cNvSpPr>
+            <a:spLocks noGrp="1"/>
+          </p:cNvSpPr>
+          <p:nvPr>
+            <p:ph type="title"/>
+          </p:nvPr>
+        </p:nvSpPr>
+        <p:spPr>
+          <a:xfrm>
+            <a:off x="684212" y="685800"/>
+            <a:ext cx="8534400" cy="1507067"/>
+          </a:xfrm>
+        </p:spPr>
+        <p:txBody>
+          <a:bodyPr/>
+          <a:lstStyle/>
+          <a:p>
+            <a:r>
+              <a:rPr lang="zh-TW" altLang="en-US" dirty="0"/>
+              <a:t>開戶但未</a:t>
+            </a:r>
+            <a:r>
+              <a:rPr lang="zh-TW" altLang="en-US" dirty="0" smtClean="0"/>
+              <a:t>交易</a:t>
+            </a:r>
+            <a:r>
+              <a:rPr lang="en-US" altLang="zh-TW" dirty="0" smtClean="0"/>
+              <a:t>(</a:t>
+            </a:r>
+            <a:r>
+              <a:rPr lang="zh-TW" altLang="en-US" dirty="0" smtClean="0"/>
+              <a:t>話術失敗</a:t>
+            </a:r>
+            <a:r>
+              <a:rPr lang="en-US" altLang="zh-TW" dirty="0" smtClean="0"/>
+              <a:t>)</a:t>
+            </a:r>
+            <a:endParaRPr kumimoji="1" lang="zh-TW" altLang="en-US" dirty="0"/>
+          </a:p>
+        </p:txBody>
+      </p:sp>
+      <p:pic>
+        <p:nvPicPr>
+          <p:cNvPr id="6" name="內容版面配置區 5"/>
+          <p:cNvPicPr>
+            <a:picLocks noGrp="1" noChangeAspect="1"/>
+          </p:cNvPicPr>
+          <p:nvPr>
+            <p:ph idx="1"/>
+          </p:nvPr>
+        </p:nvPicPr>
+        <p:blipFill rotWithShape="1">
+          <a:blip r:embed="rId2">
+            <a:extLst>
+              <a:ext uri="{28A0092B-C50C-407E-A947-70E740481C1C}">
+                <a14:useLocalDpi xmlns:a14="http://schemas.microsoft.com/office/drawing/2010/main" val="0"/>
+              </a:ext>
+            </a:extLst>
+          </a:blip>
+          <a:srcRect l="8734" t="5198" r="7091" b="8932"/>
+          <a:stretch/>
+        </p:blipFill>
+        <p:spPr>
+          <a:xfrm>
+            <a:off x="6442442" y="880534"/>
+            <a:ext cx="5552339" cy="5664200"/>
+          </a:xfrm>
+        </p:spPr>
+      </p:pic>
+      <p:sp>
+        <p:nvSpPr>
+          <p:cNvPr id="7" name="內容版面配置區 2"/>
+          <p:cNvSpPr txBox="1">
+            <a:spLocks/>
+          </p:cNvSpPr>
+          <p:nvPr/>
+        </p:nvSpPr>
+        <p:spPr>
+          <a:xfrm>
+            <a:off x="684212" y="2192867"/>
+            <a:ext cx="6360055" cy="4038600"/>
+          </a:xfrm>
+          <a:prstGeom prst="rect">
+            <a:avLst/>
+          </a:prstGeom>
+        </p:spPr>
+        <p:txBody>
+          <a:bodyPr vert="horz" lIns="91440" tIns="45720" rIns="91440" bIns="45720" rtlCol="0" anchor="ctr">
+            <a:normAutofit/>
+          </a:bodyPr>
+          <a:lstStyle>
+            <a:lvl1pPr marL="285750" indent="-285750" algn="l" defTabSz="457200" rtl="0" eaLnBrk="1" latinLnBrk="0" hangingPunct="1">
+              <a:spcBef>
+                <a:spcPct val="20000"/>
+              </a:spcBef>
+              <a:spcAft>
+                <a:spcPts val="600"/>
+              </a:spcAft>
+              <a:buClr>
+                <a:schemeClr val="tx1"/>
+              </a:buClr>
+              <a:buSzPct val="80000"/>
+              <a:buFont typeface="Wingdings 3" panose="05040102010807070707" pitchFamily="18" charset="2"/>
+              <a:buChar char=""/>
+              <a:defRPr sz="2000" kern="1200" cap="none">
+                <a:solidFill>
+                  <a:schemeClr val="bg2">
+                    <a:lumMod val="50000"/>
+                  </a:schemeClr>
+                </a:solidFill>
+                <a:effectLst/>
+                <a:latin typeface="+mn-lt"/>
+                <a:ea typeface="+mn-ea"/>
+                <a:cs typeface="+mn-cs"/>
+              </a:defRPr>
+            </a:lvl1pPr>
+            <a:lvl2pPr marL="742950" indent="-285750" algn="l" defTabSz="457200" rtl="0" eaLnBrk="1" latinLnBrk="0" hangingPunct="1">
+              <a:spcBef>
+                <a:spcPct val="20000"/>
+              </a:spcBef>
+              <a:spcAft>
+                <a:spcPts val="600"/>
+              </a:spcAft>
+              <a:buClr>
+                <a:schemeClr val="tx1"/>
+              </a:buClr>
+              <a:buSzPct val="80000"/>
+              <a:buFont typeface="Wingdings 3" panose="05040102010807070707" pitchFamily="18" charset="2"/>
+              <a:buChar char=""/>
+              <a:defRPr sz="1800" kern="1200" cap="none">
+                <a:solidFill>
+                  <a:schemeClr val="bg2">
+                    <a:lumMod val="50000"/>
+                  </a:schemeClr>
+                </a:solidFill>
+                <a:effectLst/>
+                <a:latin typeface="+mn-lt"/>
+                <a:ea typeface="+mn-ea"/>
+                <a:cs typeface="+mn-cs"/>
+              </a:defRPr>
+            </a:lvl2pPr>
+            <a:lvl3pPr marL="1200150" indent="-285750" algn="l" defTabSz="457200" rtl="0" eaLnBrk="1" latinLnBrk="0" hangingPunct="1">
+              <a:spcBef>
+                <a:spcPct val="20000"/>
+              </a:spcBef>
+              <a:spcAft>
+                <a:spcPts val="600"/>
+              </a:spcAft>
+              <a:buClr>
+                <a:schemeClr val="tx1"/>
+              </a:buClr>
+              <a:buSzPct val="80000"/>
+              <a:buFont typeface="Wingdings 3" panose="05040102010807070707" pitchFamily="18" charset="2"/>
+              <a:buChar char=""/>
+              <a:defRPr sz="1600" kern="1200" cap="none">
+                <a:solidFill>
+                  <a:schemeClr val="bg2">
+                    <a:lumMod val="50000"/>
+                  </a:schemeClr>
+                </a:solidFill>
+                <a:effectLst/>
+                <a:latin typeface="+mn-lt"/>
+                <a:ea typeface="+mn-ea"/>
+                <a:cs typeface="+mn-cs"/>
+              </a:defRPr>
+            </a:lvl3pPr>
+            <a:lvl4pPr marL="1543050" indent="-171450" algn="l" defTabSz="457200" rtl="0" eaLnBrk="1" latinLnBrk="0" hangingPunct="1">
+              <a:spcBef>
+                <a:spcPct val="20000"/>
+              </a:spcBef>
+              <a:spcAft>
+                <a:spcPts val="600"/>
+              </a:spcAft>
+              <a:buClr>
+                <a:schemeClr val="tx1"/>
+              </a:buClr>
+              <a:buSzPct val="80000"/>
+              <a:buFont typeface="Wingdings 3" panose="05040102010807070707" pitchFamily="18" charset="2"/>
+              <a:buChar char=""/>
+              <a:defRPr sz="1400" kern="1200" cap="none">
+                <a:solidFill>
+                  <a:schemeClr val="bg2">
+                    <a:lumMod val="50000"/>
+                  </a:schemeClr>
+                </a:solidFill>
+                <a:effectLst/>
+                <a:latin typeface="+mn-lt"/>
+                <a:ea typeface="+mn-ea"/>
+                <a:cs typeface="+mn-cs"/>
+              </a:defRPr>
+            </a:lvl4pPr>
+            <a:lvl5pPr marL="2114550" indent="-285750" algn="l" defTabSz="457200" rtl="0" eaLnBrk="1" latinLnBrk="0" hangingPunct="1">
+              <a:spcBef>
+                <a:spcPct val="20000"/>
+              </a:spcBef>
+              <a:spcAft>
+                <a:spcPts val="600"/>
+              </a:spcAft>
+              <a:buClr>
+                <a:schemeClr val="tx1"/>
+              </a:buClr>
+              <a:buSzPct val="80000"/>
+              <a:buFont typeface="Wingdings 3" panose="05040102010807070707" pitchFamily="18" charset="2"/>
+              <a:buChar char=""/>
+              <a:defRPr sz="1400" kern="1200" cap="none">
+                <a:solidFill>
+                  <a:schemeClr val="bg2">
+                    <a:lumMod val="50000"/>
+                  </a:schemeClr>
+                </a:solidFill>
+                <a:effectLst/>
+                <a:latin typeface="+mn-lt"/>
+                <a:ea typeface="+mn-ea"/>
+                <a:cs typeface="+mn-cs"/>
+              </a:defRPr>
+            </a:lvl5pPr>
+            <a:lvl6pPr marL="2514600" indent="-228600" algn="l" defTabSz="457200" rtl="0" eaLnBrk="1" latinLnBrk="0" hangingPunct="1">
+              <a:spcBef>
+                <a:spcPct val="20000"/>
+              </a:spcBef>
+              <a:spcAft>
+                <a:spcPts val="600"/>
+              </a:spcAft>
+              <a:buClr>
+                <a:schemeClr val="tx1"/>
+              </a:buClr>
+              <a:buSzPct val="80000"/>
+              <a:buFont typeface="Wingdings 3" panose="05040102010807070707" pitchFamily="18" charset="2"/>
+              <a:buChar char=""/>
+              <a:defRPr sz="1400" kern="1200" cap="none">
+                <a:solidFill>
+                  <a:schemeClr val="bg2">
+                    <a:lumMod val="50000"/>
+                  </a:schemeClr>
+                </a:solidFill>
+                <a:effectLst/>
+                <a:latin typeface="+mn-lt"/>
+                <a:ea typeface="+mn-ea"/>
+                <a:cs typeface="+mn-cs"/>
+              </a:defRPr>
+            </a:lvl6pPr>
+            <a:lvl7pPr marL="2971800" indent="-228600" algn="l" defTabSz="457200" rtl="0" eaLnBrk="1" latinLnBrk="0" hangingPunct="1">
+              <a:spcBef>
+                <a:spcPct val="20000"/>
+              </a:spcBef>
+              <a:spcAft>
+                <a:spcPts val="600"/>
+              </a:spcAft>
+              <a:buClr>
+                <a:schemeClr val="tx1"/>
+              </a:buClr>
+              <a:buSzPct val="80000"/>
+              <a:buFont typeface="Wingdings 3" panose="05040102010807070707" pitchFamily="18" charset="2"/>
+              <a:buChar char=""/>
+              <a:defRPr sz="1400" kern="1200" cap="none">
+                <a:solidFill>
+                  <a:schemeClr val="bg2">
+                    <a:lumMod val="50000"/>
+                  </a:schemeClr>
+                </a:solidFill>
+                <a:effectLst/>
+                <a:latin typeface="+mn-lt"/>
+                <a:ea typeface="+mn-ea"/>
+                <a:cs typeface="+mn-cs"/>
+              </a:defRPr>
+            </a:lvl7pPr>
+            <a:lvl8pPr marL="3429000" indent="-228600" algn="l" defTabSz="457200" rtl="0" eaLnBrk="1" latinLnBrk="0" hangingPunct="1">
+              <a:spcBef>
+                <a:spcPct val="20000"/>
+              </a:spcBef>
+              <a:spcAft>
+                <a:spcPts val="600"/>
+              </a:spcAft>
+              <a:buClr>
+                <a:schemeClr val="tx1"/>
+              </a:buClr>
+              <a:buSzPct val="80000"/>
+              <a:buFont typeface="Wingdings 3" panose="05040102010807070707" pitchFamily="18" charset="2"/>
+              <a:buChar char=""/>
+              <a:defRPr sz="1400" kern="1200" cap="none">
+                <a:solidFill>
+                  <a:schemeClr val="bg2">
+                    <a:lumMod val="50000"/>
+                  </a:schemeClr>
+                </a:solidFill>
+                <a:effectLst/>
+                <a:latin typeface="+mn-lt"/>
+                <a:ea typeface="+mn-ea"/>
+                <a:cs typeface="+mn-cs"/>
+              </a:defRPr>
+            </a:lvl8pPr>
+            <a:lvl9pPr marL="3886200" indent="-228600" algn="l" defTabSz="457200" rtl="0" eaLnBrk="1" latinLnBrk="0" hangingPunct="1">
+              <a:spcBef>
+                <a:spcPct val="20000"/>
+              </a:spcBef>
+              <a:spcAft>
+                <a:spcPts val="600"/>
+              </a:spcAft>
+              <a:buClr>
+                <a:schemeClr val="tx1"/>
+              </a:buClr>
+              <a:buSzPct val="80000"/>
+              <a:buFont typeface="Wingdings 3" panose="05040102010807070707" pitchFamily="18" charset="2"/>
+              <a:buChar char=""/>
+              <a:defRPr sz="1400" kern="1200" cap="none">
+                <a:solidFill>
+                  <a:schemeClr val="bg2">
+                    <a:lumMod val="50000"/>
+                  </a:schemeClr>
+                </a:solidFill>
+                <a:effectLst/>
+                <a:latin typeface="+mn-lt"/>
+                <a:ea typeface="+mn-ea"/>
+                <a:cs typeface="+mn-cs"/>
+              </a:defRPr>
+            </a:lvl9pPr>
+          </a:lstStyle>
+          <a:p>
+            <a:r>
+              <a:rPr kumimoji="1" lang="zh-TW" altLang="en-US" dirty="0" smtClean="0"/>
+              <a:t>開戶</a:t>
+            </a:r>
+            <a:endParaRPr kumimoji="1" lang="en-US" altLang="zh-TW" dirty="0" smtClean="0"/>
+          </a:p>
+          <a:p>
+            <a:r>
+              <a:rPr kumimoji="1" lang="zh-TW" altLang="en-US" dirty="0" smtClean="0"/>
+              <a:t>無庫存</a:t>
+            </a:r>
+            <a:endParaRPr kumimoji="1" lang="en-US" altLang="zh-TW" dirty="0" smtClean="0"/>
+          </a:p>
+          <a:p>
+            <a:r>
+              <a:rPr kumimoji="1" lang="zh-TW" altLang="en-US" dirty="0" smtClean="0"/>
+              <a:t>推說</a:t>
+            </a:r>
+            <a:endParaRPr kumimoji="1" lang="en-US" altLang="zh-TW" dirty="0" smtClean="0"/>
+          </a:p>
+          <a:p>
+            <a:r>
+              <a:rPr kumimoji="1" lang="zh-TW" altLang="en-US" dirty="0" smtClean="0"/>
+              <a:t>再看</a:t>
+            </a:r>
+            <a:endParaRPr kumimoji="1" lang="en-US" altLang="zh-TW" dirty="0" smtClean="0"/>
+          </a:p>
+          <a:p>
+            <a:r>
+              <a:rPr kumimoji="1" lang="zh-TW" altLang="en-US" dirty="0" smtClean="0"/>
+              <a:t>看看</a:t>
+            </a:r>
+            <a:endParaRPr kumimoji="1" lang="en-US" altLang="zh-TW" dirty="0" smtClean="0"/>
+          </a:p>
+          <a:p>
+            <a:r>
+              <a:rPr kumimoji="1" lang="zh-TW" altLang="en-US" dirty="0" smtClean="0"/>
+              <a:t>看到</a:t>
+            </a:r>
+            <a:endParaRPr kumimoji="1" lang="en-US" altLang="zh-TW" dirty="0" smtClean="0"/>
+          </a:p>
+          <a:p>
+            <a:r>
+              <a:rPr kumimoji="1" lang="zh-TW" altLang="en-US" dirty="0" smtClean="0"/>
+              <a:t>沒有</a:t>
+            </a:r>
+            <a:endParaRPr kumimoji="1" lang="en-US" altLang="zh-TW" dirty="0" smtClean="0"/>
+          </a:p>
+          <a:p>
+            <a:r>
+              <a:rPr kumimoji="1" lang="zh-TW" altLang="en-US" dirty="0" smtClean="0"/>
+              <a:t>目前</a:t>
+            </a:r>
+            <a:endParaRPr kumimoji="1" lang="en-US" altLang="zh-TW" dirty="0" smtClean="0"/>
+          </a:p>
+        </p:txBody>
+      </p:sp>
+    </p:spTree>
+    <p:extLst>
+      <p:ext uri="{BB962C8B-B14F-4D97-AF65-F5344CB8AC3E}">
+        <p14:creationId xmlns:p14="http://schemas.microsoft.com/office/powerpoint/2010/main" val="1007398069"/>
+      </p:ext>
+    </p:extLst>
+  </p:cSld>
+  <p:clrMapOvr>
+    <a:masterClrMapping/>
+  </p:clrMapOvr>
+</p:sld>
+</file>
+
+<file path=ppt/slides/slide19.xml><?xml version="1.0" encoding="utf-8"?>
+<p:sld xmlns:a="http://schemas.openxmlformats.org/drawingml/2006/main" xmlns:r="http://schemas.openxmlformats.org/officeDocument/2006/relationships" xmlns:p="http://schemas.openxmlformats.org/presentationml/2006/main">
+  <p:cSld>
+    <p:spTree>
+      <p:nvGrpSpPr>
+        <p:cNvPr id="1" name=""/>
+        <p:cNvGrpSpPr/>
+        <p:nvPr/>
+      </p:nvGrpSpPr>
+      <p:grpSpPr>
+        <a:xfrm>
+          <a:off x="0" y="0"/>
+          <a:ext cx="0" cy="0"/>
+          <a:chOff x="0" y="0"/>
+          <a:chExt cx="0" cy="0"/>
+        </a:xfrm>
+      </p:grpSpPr>
+      <p:sp>
+        <p:nvSpPr>
+          <p:cNvPr id="2" name="標題 1"/>
+          <p:cNvSpPr>
+            <a:spLocks noGrp="1"/>
+          </p:cNvSpPr>
+          <p:nvPr>
+            <p:ph type="title"/>
+          </p:nvPr>
+        </p:nvSpPr>
+        <p:spPr>
+          <a:xfrm>
+            <a:off x="684212" y="685800"/>
+            <a:ext cx="8534400" cy="1507067"/>
+          </a:xfrm>
+        </p:spPr>
+        <p:txBody>
+          <a:bodyPr/>
+          <a:lstStyle/>
+          <a:p>
+            <a:r>
+              <a:rPr lang="zh-TW" altLang="en-US" dirty="0"/>
+              <a:t>從「未開戶」到「已開戶」</a:t>
+            </a:r>
+            <a:endParaRPr kumimoji="1" lang="zh-TW" altLang="en-US" dirty="0"/>
+          </a:p>
+        </p:txBody>
+      </p:sp>
+      <p:pic>
+        <p:nvPicPr>
+          <p:cNvPr id="4" name="內容版面配置區 3"/>
+          <p:cNvPicPr>
+            <a:picLocks noGrp="1" noChangeAspect="1"/>
+          </p:cNvPicPr>
+          <p:nvPr>
+            <p:ph idx="1"/>
+          </p:nvPr>
+        </p:nvPicPr>
+        <p:blipFill rotWithShape="1">
+          <a:blip r:embed="rId2">
+            <a:extLst>
+              <a:ext uri="{28A0092B-C50C-407E-A947-70E740481C1C}">
+                <a14:useLocalDpi xmlns:a14="http://schemas.microsoft.com/office/drawing/2010/main" val="0"/>
+              </a:ext>
+            </a:extLst>
+          </a:blip>
+          <a:srcRect l="7199" t="6336" r="7579" b="7975"/>
+          <a:stretch/>
+        </p:blipFill>
+        <p:spPr>
+          <a:xfrm>
+            <a:off x="6197600" y="685800"/>
+            <a:ext cx="5645679" cy="5676699"/>
+          </a:xfrm>
+        </p:spPr>
+      </p:pic>
+      <p:sp>
+        <p:nvSpPr>
+          <p:cNvPr id="5" name="內容版面配置區 2"/>
+          <p:cNvSpPr txBox="1">
+            <a:spLocks/>
+          </p:cNvSpPr>
+          <p:nvPr/>
+        </p:nvSpPr>
+        <p:spPr>
+          <a:xfrm>
+            <a:off x="684212" y="2192867"/>
+            <a:ext cx="6360055" cy="4038600"/>
+          </a:xfrm>
+          <a:prstGeom prst="rect">
+            <a:avLst/>
+          </a:prstGeom>
+        </p:spPr>
+        <p:txBody>
+          <a:bodyPr vert="horz" lIns="91440" tIns="45720" rIns="91440" bIns="45720" rtlCol="0" anchor="ctr">
+            <a:normAutofit/>
+          </a:bodyPr>
+          <a:lstStyle>
+            <a:lvl1pPr marL="285750" indent="-285750" algn="l" defTabSz="457200" rtl="0" eaLnBrk="1" latinLnBrk="0" hangingPunct="1">
+              <a:spcBef>
+                <a:spcPct val="20000"/>
+              </a:spcBef>
+              <a:spcAft>
+                <a:spcPts val="600"/>
+              </a:spcAft>
+              <a:buClr>
+                <a:schemeClr val="tx1"/>
+              </a:buClr>
+              <a:buSzPct val="80000"/>
+              <a:buFont typeface="Wingdings 3" panose="05040102010807070707" pitchFamily="18" charset="2"/>
+              <a:buChar char=""/>
+              <a:defRPr sz="2000" kern="1200" cap="none">
+                <a:solidFill>
+                  <a:schemeClr val="bg2">
+                    <a:lumMod val="50000"/>
+                  </a:schemeClr>
+                </a:solidFill>
+                <a:effectLst/>
+                <a:latin typeface="+mn-lt"/>
+                <a:ea typeface="+mn-ea"/>
+                <a:cs typeface="+mn-cs"/>
+              </a:defRPr>
+            </a:lvl1pPr>
+            <a:lvl2pPr marL="742950" indent="-285750" algn="l" defTabSz="457200" rtl="0" eaLnBrk="1" latinLnBrk="0" hangingPunct="1">
+              <a:spcBef>
+                <a:spcPct val="20000"/>
+              </a:spcBef>
+              <a:spcAft>
+                <a:spcPts val="600"/>
+              </a:spcAft>
+              <a:buClr>
+                <a:schemeClr val="tx1"/>
+              </a:buClr>
+              <a:buSzPct val="80000"/>
+              <a:buFont typeface="Wingdings 3" panose="05040102010807070707" pitchFamily="18" charset="2"/>
+              <a:buChar char=""/>
+              <a:defRPr sz="1800" kern="1200" cap="none">
+                <a:solidFill>
+                  <a:schemeClr val="bg2">
+                    <a:lumMod val="50000"/>
+                  </a:schemeClr>
+                </a:solidFill>
+                <a:effectLst/>
+                <a:latin typeface="+mn-lt"/>
+                <a:ea typeface="+mn-ea"/>
+                <a:cs typeface="+mn-cs"/>
+              </a:defRPr>
+            </a:lvl2pPr>
+            <a:lvl3pPr marL="1200150" indent="-285750" algn="l" defTabSz="457200" rtl="0" eaLnBrk="1" latinLnBrk="0" hangingPunct="1">
+              <a:spcBef>
+                <a:spcPct val="20000"/>
+              </a:spcBef>
+              <a:spcAft>
+                <a:spcPts val="600"/>
+              </a:spcAft>
+              <a:buClr>
+                <a:schemeClr val="tx1"/>
+              </a:buClr>
+              <a:buSzPct val="80000"/>
+              <a:buFont typeface="Wingdings 3" panose="05040102010807070707" pitchFamily="18" charset="2"/>
+              <a:buChar char=""/>
+              <a:defRPr sz="1600" kern="1200" cap="none">
+                <a:solidFill>
+                  <a:schemeClr val="bg2">
+                    <a:lumMod val="50000"/>
+                  </a:schemeClr>
+                </a:solidFill>
+                <a:effectLst/>
+                <a:latin typeface="+mn-lt"/>
+                <a:ea typeface="+mn-ea"/>
+                <a:cs typeface="+mn-cs"/>
+              </a:defRPr>
+            </a:lvl3pPr>
+            <a:lvl4pPr marL="1543050" indent="-171450" algn="l" defTabSz="457200" rtl="0" eaLnBrk="1" latinLnBrk="0" hangingPunct="1">
+              <a:spcBef>
+                <a:spcPct val="20000"/>
+              </a:spcBef>
+              <a:spcAft>
+                <a:spcPts val="600"/>
+              </a:spcAft>
+              <a:buClr>
+                <a:schemeClr val="tx1"/>
+              </a:buClr>
+              <a:buSzPct val="80000"/>
+              <a:buFont typeface="Wingdings 3" panose="05040102010807070707" pitchFamily="18" charset="2"/>
+              <a:buChar char=""/>
+              <a:defRPr sz="1400" kern="1200" cap="none">
+                <a:solidFill>
+                  <a:schemeClr val="bg2">
+                    <a:lumMod val="50000"/>
+                  </a:schemeClr>
+                </a:solidFill>
+                <a:effectLst/>
+                <a:latin typeface="+mn-lt"/>
+                <a:ea typeface="+mn-ea"/>
+                <a:cs typeface="+mn-cs"/>
+              </a:defRPr>
+            </a:lvl4pPr>
+            <a:lvl5pPr marL="2114550" indent="-285750" algn="l" defTabSz="457200" rtl="0" eaLnBrk="1" latinLnBrk="0" hangingPunct="1">
+              <a:spcBef>
+                <a:spcPct val="20000"/>
+              </a:spcBef>
+              <a:spcAft>
+                <a:spcPts val="600"/>
+              </a:spcAft>
+              <a:buClr>
+                <a:schemeClr val="tx1"/>
+              </a:buClr>
+              <a:buSzPct val="80000"/>
+              <a:buFont typeface="Wingdings 3" panose="05040102010807070707" pitchFamily="18" charset="2"/>
+              <a:buChar char=""/>
+              <a:defRPr sz="1400" kern="1200" cap="none">
+                <a:solidFill>
+                  <a:schemeClr val="bg2">
+                    <a:lumMod val="50000"/>
+                  </a:schemeClr>
+                </a:solidFill>
+                <a:effectLst/>
+                <a:latin typeface="+mn-lt"/>
+                <a:ea typeface="+mn-ea"/>
+                <a:cs typeface="+mn-cs"/>
+              </a:defRPr>
+            </a:lvl5pPr>
+            <a:lvl6pPr marL="2514600" indent="-228600" algn="l" defTabSz="457200" rtl="0" eaLnBrk="1" latinLnBrk="0" hangingPunct="1">
+              <a:spcBef>
+                <a:spcPct val="20000"/>
+              </a:spcBef>
+              <a:spcAft>
+                <a:spcPts val="600"/>
+              </a:spcAft>
+              <a:buClr>
+                <a:schemeClr val="tx1"/>
+              </a:buClr>
+              <a:buSzPct val="80000"/>
+              <a:buFont typeface="Wingdings 3" panose="05040102010807070707" pitchFamily="18" charset="2"/>
+              <a:buChar char=""/>
+              <a:defRPr sz="1400" kern="1200" cap="none">
+                <a:solidFill>
+                  <a:schemeClr val="bg2">
+                    <a:lumMod val="50000"/>
+                  </a:schemeClr>
+                </a:solidFill>
+                <a:effectLst/>
+                <a:latin typeface="+mn-lt"/>
+                <a:ea typeface="+mn-ea"/>
+                <a:cs typeface="+mn-cs"/>
+              </a:defRPr>
+            </a:lvl6pPr>
+            <a:lvl7pPr marL="2971800" indent="-228600" algn="l" defTabSz="457200" rtl="0" eaLnBrk="1" latinLnBrk="0" hangingPunct="1">
+              <a:spcBef>
+                <a:spcPct val="20000"/>
+              </a:spcBef>
+              <a:spcAft>
+                <a:spcPts val="600"/>
+              </a:spcAft>
+              <a:buClr>
+                <a:schemeClr val="tx1"/>
+              </a:buClr>
+              <a:buSzPct val="80000"/>
+              <a:buFont typeface="Wingdings 3" panose="05040102010807070707" pitchFamily="18" charset="2"/>
+              <a:buChar char=""/>
+              <a:defRPr sz="1400" kern="1200" cap="none">
+                <a:solidFill>
+                  <a:schemeClr val="bg2">
+                    <a:lumMod val="50000"/>
+                  </a:schemeClr>
+                </a:solidFill>
+                <a:effectLst/>
+                <a:latin typeface="+mn-lt"/>
+                <a:ea typeface="+mn-ea"/>
+                <a:cs typeface="+mn-cs"/>
+              </a:defRPr>
+            </a:lvl7pPr>
+            <a:lvl8pPr marL="3429000" indent="-228600" algn="l" defTabSz="457200" rtl="0" eaLnBrk="1" latinLnBrk="0" hangingPunct="1">
+              <a:spcBef>
+                <a:spcPct val="20000"/>
+              </a:spcBef>
+              <a:spcAft>
+                <a:spcPts val="600"/>
+              </a:spcAft>
+              <a:buClr>
+                <a:schemeClr val="tx1"/>
+              </a:buClr>
+              <a:buSzPct val="80000"/>
+              <a:buFont typeface="Wingdings 3" panose="05040102010807070707" pitchFamily="18" charset="2"/>
+              <a:buChar char=""/>
+              <a:defRPr sz="1400" kern="1200" cap="none">
+                <a:solidFill>
+                  <a:schemeClr val="bg2">
+                    <a:lumMod val="50000"/>
+                  </a:schemeClr>
+                </a:solidFill>
+                <a:effectLst/>
+                <a:latin typeface="+mn-lt"/>
+                <a:ea typeface="+mn-ea"/>
+                <a:cs typeface="+mn-cs"/>
+              </a:defRPr>
+            </a:lvl8pPr>
+            <a:lvl9pPr marL="3886200" indent="-228600" algn="l" defTabSz="457200" rtl="0" eaLnBrk="1" latinLnBrk="0" hangingPunct="1">
+              <a:spcBef>
+                <a:spcPct val="20000"/>
+              </a:spcBef>
+              <a:spcAft>
+                <a:spcPts val="600"/>
+              </a:spcAft>
+              <a:buClr>
+                <a:schemeClr val="tx1"/>
+              </a:buClr>
+              <a:buSzPct val="80000"/>
+              <a:buFont typeface="Wingdings 3" panose="05040102010807070707" pitchFamily="18" charset="2"/>
+              <a:buChar char=""/>
+              <a:defRPr sz="1400" kern="1200" cap="none">
+                <a:solidFill>
+                  <a:schemeClr val="bg2">
+                    <a:lumMod val="50000"/>
+                  </a:schemeClr>
+                </a:solidFill>
+                <a:effectLst/>
+                <a:latin typeface="+mn-lt"/>
+                <a:ea typeface="+mn-ea"/>
+                <a:cs typeface="+mn-cs"/>
+              </a:defRPr>
+            </a:lvl9pPr>
+          </a:lstStyle>
+          <a:p>
+            <a:r>
+              <a:rPr kumimoji="1" lang="zh-TW" altLang="en-US" dirty="0" smtClean="0"/>
+              <a:t>家庭戶</a:t>
+            </a:r>
+            <a:endParaRPr kumimoji="1" lang="en-US" altLang="zh-TW" dirty="0" smtClean="0"/>
+          </a:p>
+          <a:p>
+            <a:r>
+              <a:rPr kumimoji="1" lang="zh-TW" altLang="en-US" dirty="0" smtClean="0"/>
+              <a:t>開戶文件</a:t>
+            </a:r>
+            <a:endParaRPr kumimoji="1" lang="en-US" altLang="zh-TW" dirty="0" smtClean="0"/>
+          </a:p>
+          <a:p>
+            <a:r>
+              <a:rPr kumimoji="1" lang="zh-TW" altLang="en-US" dirty="0" smtClean="0"/>
+              <a:t>申請</a:t>
+            </a:r>
+            <a:endParaRPr kumimoji="1" lang="en-US" altLang="zh-TW" dirty="0" smtClean="0"/>
+          </a:p>
+          <a:p>
+            <a:r>
+              <a:rPr kumimoji="1" lang="zh-TW" altLang="en-US" dirty="0" smtClean="0"/>
+              <a:t>需要</a:t>
+            </a:r>
+            <a:endParaRPr kumimoji="1" lang="en-US" altLang="zh-TW" dirty="0" smtClean="0"/>
+          </a:p>
+          <a:p>
+            <a:r>
+              <a:rPr kumimoji="1" lang="zh-TW" altLang="en-US" dirty="0" smtClean="0"/>
+              <a:t>好好</a:t>
+            </a:r>
+            <a:endParaRPr kumimoji="1" lang="en-US" altLang="zh-TW" dirty="0" smtClean="0"/>
+          </a:p>
+          <a:p>
+            <a:r>
+              <a:rPr kumimoji="1" lang="zh-TW" altLang="en-US" dirty="0" smtClean="0"/>
+              <a:t>手機</a:t>
+            </a:r>
+            <a:endParaRPr kumimoji="1" lang="en-US" altLang="zh-TW" dirty="0" smtClean="0"/>
+          </a:p>
+          <a:p>
+            <a:r>
+              <a:rPr kumimoji="1" lang="en-US" altLang="zh-TW" dirty="0" smtClean="0"/>
+              <a:t>Mail</a:t>
+            </a:r>
+          </a:p>
+          <a:p>
+            <a:r>
+              <a:rPr kumimoji="1" lang="zh-TW" altLang="en-US" dirty="0" smtClean="0"/>
+              <a:t>推薦</a:t>
+            </a:r>
+            <a:endParaRPr kumimoji="1" lang="en-US" altLang="zh-TW" dirty="0" smtClean="0"/>
+          </a:p>
+          <a:p>
+            <a:r>
+              <a:rPr kumimoji="1" lang="zh-TW" altLang="en-US" dirty="0" smtClean="0"/>
+              <a:t>需要</a:t>
+            </a:r>
+            <a:endParaRPr kumimoji="1" lang="en-US" altLang="zh-TW" dirty="0" smtClean="0"/>
+          </a:p>
+          <a:p>
+            <a:endParaRPr kumimoji="1" lang="en-US" altLang="zh-TW" sz="2800" dirty="0" smtClean="0"/>
+          </a:p>
+        </p:txBody>
+      </p:sp>
+    </p:spTree>
+    <p:extLst>
+      <p:ext uri="{BB962C8B-B14F-4D97-AF65-F5344CB8AC3E}">
+        <p14:creationId xmlns:p14="http://schemas.microsoft.com/office/powerpoint/2010/main" val="1213905325"/>
       </p:ext>
     </p:extLst>
   </p:cSld>
@@ -6159,7 +8403,7 @@
           <p:cNvPr id="2" name="標題 1">
             <a:extLst>
               <a:ext uri="{FF2B5EF4-FFF2-40B4-BE49-F238E27FC236}">
-                <a16:creationId xmlns:a16="http://schemas.microsoft.com/office/drawing/2014/main" id="{E3337D87-D674-4A28-88BF-D94A0D5D56C3}"/>
+                <a16:creationId xmlns:a16="http://schemas.microsoft.com/office/drawing/2014/main" xmlns="" id="{E3337D87-D674-4A28-88BF-D94A0D5D56C3}"/>
               </a:ext>
             </a:extLst>
           </p:cNvPr>
@@ -6192,7 +8436,7 @@
           <p:cNvPr id="4" name="圖片 3">
             <a:extLst>
               <a:ext uri="{FF2B5EF4-FFF2-40B4-BE49-F238E27FC236}">
-                <a16:creationId xmlns:a16="http://schemas.microsoft.com/office/drawing/2014/main" id="{9CE5FACD-1CFC-4B2D-8E1F-55CD72D50904}"/>
+                <a16:creationId xmlns:a16="http://schemas.microsoft.com/office/drawing/2014/main" xmlns="" id="{9CE5FACD-1CFC-4B2D-8E1F-55CD72D50904}"/>
               </a:ext>
             </a:extLst>
           </p:cNvPr>
@@ -6230,6 +8474,501 @@
 </p:sld>
 </file>
 
+<file path=ppt/slides/slide20.xml><?xml version="1.0" encoding="utf-8"?>
+<p:sld xmlns:a="http://schemas.openxmlformats.org/drawingml/2006/main" xmlns:r="http://schemas.openxmlformats.org/officeDocument/2006/relationships" xmlns:p="http://schemas.openxmlformats.org/presentationml/2006/main">
+  <p:cSld>
+    <p:spTree>
+      <p:nvGrpSpPr>
+        <p:cNvPr id="1" name=""/>
+        <p:cNvGrpSpPr/>
+        <p:nvPr/>
+      </p:nvGrpSpPr>
+      <p:grpSpPr>
+        <a:xfrm>
+          <a:off x="0" y="0"/>
+          <a:ext cx="0" cy="0"/>
+          <a:chOff x="0" y="0"/>
+          <a:chExt cx="0" cy="0"/>
+        </a:xfrm>
+      </p:grpSpPr>
+      <p:sp>
+        <p:nvSpPr>
+          <p:cNvPr id="2" name="標題 1"/>
+          <p:cNvSpPr>
+            <a:spLocks noGrp="1"/>
+          </p:cNvSpPr>
+          <p:nvPr>
+            <p:ph type="title"/>
+          </p:nvPr>
+        </p:nvSpPr>
+        <p:spPr>
+          <a:xfrm>
+            <a:off x="684212" y="685800"/>
+            <a:ext cx="8534400" cy="1507067"/>
+          </a:xfrm>
+        </p:spPr>
+        <p:txBody>
+          <a:bodyPr/>
+          <a:lstStyle/>
+          <a:p>
+            <a:r>
+              <a:rPr lang="zh-TW" altLang="en-US" dirty="0"/>
+              <a:t>「未開戶」經聯絡後還是「未開戶」</a:t>
+            </a:r>
+            <a:endParaRPr kumimoji="1" lang="zh-TW" altLang="en-US" dirty="0"/>
+          </a:p>
+        </p:txBody>
+      </p:sp>
+      <p:pic>
+        <p:nvPicPr>
+          <p:cNvPr id="4" name="內容版面配置區 3"/>
+          <p:cNvPicPr>
+            <a:picLocks noGrp="1" noChangeAspect="1"/>
+          </p:cNvPicPr>
+          <p:nvPr>
+            <p:ph idx="1"/>
+          </p:nvPr>
+        </p:nvPicPr>
+        <p:blipFill rotWithShape="1">
+          <a:blip r:embed="rId2">
+            <a:extLst>
+              <a:ext uri="{28A0092B-C50C-407E-A947-70E740481C1C}">
+                <a14:useLocalDpi xmlns:a14="http://schemas.microsoft.com/office/drawing/2010/main" val="0"/>
+              </a:ext>
+            </a:extLst>
+          </a:blip>
+          <a:srcRect l="9073" t="3761" r="7579" b="9379"/>
+          <a:stretch/>
+        </p:blipFill>
+        <p:spPr>
+          <a:xfrm>
+            <a:off x="7186612" y="1684138"/>
+            <a:ext cx="4802188" cy="5004529"/>
+          </a:xfrm>
+        </p:spPr>
+      </p:pic>
+      <p:sp>
+        <p:nvSpPr>
+          <p:cNvPr id="5" name="內容版面配置區 2"/>
+          <p:cNvSpPr txBox="1">
+            <a:spLocks/>
+          </p:cNvSpPr>
+          <p:nvPr/>
+        </p:nvSpPr>
+        <p:spPr>
+          <a:xfrm>
+            <a:off x="684212" y="2192867"/>
+            <a:ext cx="6360055" cy="4038600"/>
+          </a:xfrm>
+          <a:prstGeom prst="rect">
+            <a:avLst/>
+          </a:prstGeom>
+        </p:spPr>
+        <p:txBody>
+          <a:bodyPr vert="horz" lIns="91440" tIns="45720" rIns="91440" bIns="45720" rtlCol="0" anchor="ctr">
+            <a:normAutofit/>
+          </a:bodyPr>
+          <a:lstStyle>
+            <a:lvl1pPr marL="285750" indent="-285750" algn="l" defTabSz="457200" rtl="0" eaLnBrk="1" latinLnBrk="0" hangingPunct="1">
+              <a:spcBef>
+                <a:spcPct val="20000"/>
+              </a:spcBef>
+              <a:spcAft>
+                <a:spcPts val="600"/>
+              </a:spcAft>
+              <a:buClr>
+                <a:schemeClr val="tx1"/>
+              </a:buClr>
+              <a:buSzPct val="80000"/>
+              <a:buFont typeface="Wingdings 3" panose="05040102010807070707" pitchFamily="18" charset="2"/>
+              <a:buChar char=""/>
+              <a:defRPr sz="2000" kern="1200" cap="none">
+                <a:solidFill>
+                  <a:schemeClr val="bg2">
+                    <a:lumMod val="50000"/>
+                  </a:schemeClr>
+                </a:solidFill>
+                <a:effectLst/>
+                <a:latin typeface="+mn-lt"/>
+                <a:ea typeface="+mn-ea"/>
+                <a:cs typeface="+mn-cs"/>
+              </a:defRPr>
+            </a:lvl1pPr>
+            <a:lvl2pPr marL="742950" indent="-285750" algn="l" defTabSz="457200" rtl="0" eaLnBrk="1" latinLnBrk="0" hangingPunct="1">
+              <a:spcBef>
+                <a:spcPct val="20000"/>
+              </a:spcBef>
+              <a:spcAft>
+                <a:spcPts val="600"/>
+              </a:spcAft>
+              <a:buClr>
+                <a:schemeClr val="tx1"/>
+              </a:buClr>
+              <a:buSzPct val="80000"/>
+              <a:buFont typeface="Wingdings 3" panose="05040102010807070707" pitchFamily="18" charset="2"/>
+              <a:buChar char=""/>
+              <a:defRPr sz="1800" kern="1200" cap="none">
+                <a:solidFill>
+                  <a:schemeClr val="bg2">
+                    <a:lumMod val="50000"/>
+                  </a:schemeClr>
+                </a:solidFill>
+                <a:effectLst/>
+                <a:latin typeface="+mn-lt"/>
+                <a:ea typeface="+mn-ea"/>
+                <a:cs typeface="+mn-cs"/>
+              </a:defRPr>
+            </a:lvl2pPr>
+            <a:lvl3pPr marL="1200150" indent="-285750" algn="l" defTabSz="457200" rtl="0" eaLnBrk="1" latinLnBrk="0" hangingPunct="1">
+              <a:spcBef>
+                <a:spcPct val="20000"/>
+              </a:spcBef>
+              <a:spcAft>
+                <a:spcPts val="600"/>
+              </a:spcAft>
+              <a:buClr>
+                <a:schemeClr val="tx1"/>
+              </a:buClr>
+              <a:buSzPct val="80000"/>
+              <a:buFont typeface="Wingdings 3" panose="05040102010807070707" pitchFamily="18" charset="2"/>
+              <a:buChar char=""/>
+              <a:defRPr sz="1600" kern="1200" cap="none">
+                <a:solidFill>
+                  <a:schemeClr val="bg2">
+                    <a:lumMod val="50000"/>
+                  </a:schemeClr>
+                </a:solidFill>
+                <a:effectLst/>
+                <a:latin typeface="+mn-lt"/>
+                <a:ea typeface="+mn-ea"/>
+                <a:cs typeface="+mn-cs"/>
+              </a:defRPr>
+            </a:lvl3pPr>
+            <a:lvl4pPr marL="1543050" indent="-171450" algn="l" defTabSz="457200" rtl="0" eaLnBrk="1" latinLnBrk="0" hangingPunct="1">
+              <a:spcBef>
+                <a:spcPct val="20000"/>
+              </a:spcBef>
+              <a:spcAft>
+                <a:spcPts val="600"/>
+              </a:spcAft>
+              <a:buClr>
+                <a:schemeClr val="tx1"/>
+              </a:buClr>
+              <a:buSzPct val="80000"/>
+              <a:buFont typeface="Wingdings 3" panose="05040102010807070707" pitchFamily="18" charset="2"/>
+              <a:buChar char=""/>
+              <a:defRPr sz="1400" kern="1200" cap="none">
+                <a:solidFill>
+                  <a:schemeClr val="bg2">
+                    <a:lumMod val="50000"/>
+                  </a:schemeClr>
+                </a:solidFill>
+                <a:effectLst/>
+                <a:latin typeface="+mn-lt"/>
+                <a:ea typeface="+mn-ea"/>
+                <a:cs typeface="+mn-cs"/>
+              </a:defRPr>
+            </a:lvl4pPr>
+            <a:lvl5pPr marL="2114550" indent="-285750" algn="l" defTabSz="457200" rtl="0" eaLnBrk="1" latinLnBrk="0" hangingPunct="1">
+              <a:spcBef>
+                <a:spcPct val="20000"/>
+              </a:spcBef>
+              <a:spcAft>
+                <a:spcPts val="600"/>
+              </a:spcAft>
+              <a:buClr>
+                <a:schemeClr val="tx1"/>
+              </a:buClr>
+              <a:buSzPct val="80000"/>
+              <a:buFont typeface="Wingdings 3" panose="05040102010807070707" pitchFamily="18" charset="2"/>
+              <a:buChar char=""/>
+              <a:defRPr sz="1400" kern="1200" cap="none">
+                <a:solidFill>
+                  <a:schemeClr val="bg2">
+                    <a:lumMod val="50000"/>
+                  </a:schemeClr>
+                </a:solidFill>
+                <a:effectLst/>
+                <a:latin typeface="+mn-lt"/>
+                <a:ea typeface="+mn-ea"/>
+                <a:cs typeface="+mn-cs"/>
+              </a:defRPr>
+            </a:lvl5pPr>
+            <a:lvl6pPr marL="2514600" indent="-228600" algn="l" defTabSz="457200" rtl="0" eaLnBrk="1" latinLnBrk="0" hangingPunct="1">
+              <a:spcBef>
+                <a:spcPct val="20000"/>
+              </a:spcBef>
+              <a:spcAft>
+                <a:spcPts val="600"/>
+              </a:spcAft>
+              <a:buClr>
+                <a:schemeClr val="tx1"/>
+              </a:buClr>
+              <a:buSzPct val="80000"/>
+              <a:buFont typeface="Wingdings 3" panose="05040102010807070707" pitchFamily="18" charset="2"/>
+              <a:buChar char=""/>
+              <a:defRPr sz="1400" kern="1200" cap="none">
+                <a:solidFill>
+                  <a:schemeClr val="bg2">
+                    <a:lumMod val="50000"/>
+                  </a:schemeClr>
+                </a:solidFill>
+                <a:effectLst/>
+                <a:latin typeface="+mn-lt"/>
+                <a:ea typeface="+mn-ea"/>
+                <a:cs typeface="+mn-cs"/>
+              </a:defRPr>
+            </a:lvl6pPr>
+            <a:lvl7pPr marL="2971800" indent="-228600" algn="l" defTabSz="457200" rtl="0" eaLnBrk="1" latinLnBrk="0" hangingPunct="1">
+              <a:spcBef>
+                <a:spcPct val="20000"/>
+              </a:spcBef>
+              <a:spcAft>
+                <a:spcPts val="600"/>
+              </a:spcAft>
+              <a:buClr>
+                <a:schemeClr val="tx1"/>
+              </a:buClr>
+              <a:buSzPct val="80000"/>
+              <a:buFont typeface="Wingdings 3" panose="05040102010807070707" pitchFamily="18" charset="2"/>
+              <a:buChar char=""/>
+              <a:defRPr sz="1400" kern="1200" cap="none">
+                <a:solidFill>
+                  <a:schemeClr val="bg2">
+                    <a:lumMod val="50000"/>
+                  </a:schemeClr>
+                </a:solidFill>
+                <a:effectLst/>
+                <a:latin typeface="+mn-lt"/>
+                <a:ea typeface="+mn-ea"/>
+                <a:cs typeface="+mn-cs"/>
+              </a:defRPr>
+            </a:lvl7pPr>
+            <a:lvl8pPr marL="3429000" indent="-228600" algn="l" defTabSz="457200" rtl="0" eaLnBrk="1" latinLnBrk="0" hangingPunct="1">
+              <a:spcBef>
+                <a:spcPct val="20000"/>
+              </a:spcBef>
+              <a:spcAft>
+                <a:spcPts val="600"/>
+              </a:spcAft>
+              <a:buClr>
+                <a:schemeClr val="tx1"/>
+              </a:buClr>
+              <a:buSzPct val="80000"/>
+              <a:buFont typeface="Wingdings 3" panose="05040102010807070707" pitchFamily="18" charset="2"/>
+              <a:buChar char=""/>
+              <a:defRPr sz="1400" kern="1200" cap="none">
+                <a:solidFill>
+                  <a:schemeClr val="bg2">
+                    <a:lumMod val="50000"/>
+                  </a:schemeClr>
+                </a:solidFill>
+                <a:effectLst/>
+                <a:latin typeface="+mn-lt"/>
+                <a:ea typeface="+mn-ea"/>
+                <a:cs typeface="+mn-cs"/>
+              </a:defRPr>
+            </a:lvl8pPr>
+            <a:lvl9pPr marL="3886200" indent="-228600" algn="l" defTabSz="457200" rtl="0" eaLnBrk="1" latinLnBrk="0" hangingPunct="1">
+              <a:spcBef>
+                <a:spcPct val="20000"/>
+              </a:spcBef>
+              <a:spcAft>
+                <a:spcPts val="600"/>
+              </a:spcAft>
+              <a:buClr>
+                <a:schemeClr val="tx1"/>
+              </a:buClr>
+              <a:buSzPct val="80000"/>
+              <a:buFont typeface="Wingdings 3" panose="05040102010807070707" pitchFamily="18" charset="2"/>
+              <a:buChar char=""/>
+              <a:defRPr sz="1400" kern="1200" cap="none">
+                <a:solidFill>
+                  <a:schemeClr val="bg2">
+                    <a:lumMod val="50000"/>
+                  </a:schemeClr>
+                </a:solidFill>
+                <a:effectLst/>
+                <a:latin typeface="+mn-lt"/>
+                <a:ea typeface="+mn-ea"/>
+                <a:cs typeface="+mn-cs"/>
+              </a:defRPr>
+            </a:lvl9pPr>
+          </a:lstStyle>
+          <a:p>
+            <a:r>
+              <a:rPr kumimoji="1" lang="zh-TW" altLang="en-US" dirty="0" smtClean="0"/>
+              <a:t>追蹤</a:t>
+            </a:r>
+            <a:endParaRPr kumimoji="1" lang="en-US" altLang="zh-TW" dirty="0" smtClean="0"/>
+          </a:p>
+          <a:p>
+            <a:r>
+              <a:rPr kumimoji="1" lang="zh-TW" altLang="en-US" dirty="0" smtClean="0"/>
+              <a:t>問</a:t>
+            </a:r>
+            <a:r>
+              <a:rPr kumimoji="1" lang="en-US" altLang="zh-TW" dirty="0" smtClean="0"/>
+              <a:t>/</a:t>
+            </a:r>
+            <a:r>
+              <a:rPr kumimoji="1" lang="zh-TW" altLang="en-US" dirty="0" smtClean="0"/>
+              <a:t>詢問</a:t>
+            </a:r>
+            <a:endParaRPr kumimoji="1" lang="en-US" altLang="zh-TW" dirty="0" smtClean="0"/>
+          </a:p>
+          <a:p>
+            <a:r>
+              <a:rPr kumimoji="1" lang="en-US" altLang="zh-TW" dirty="0" smtClean="0"/>
+              <a:t>Line</a:t>
+            </a:r>
+          </a:p>
+          <a:p>
+            <a:r>
+              <a:rPr kumimoji="1" lang="zh-TW" altLang="en-US" dirty="0" smtClean="0"/>
+              <a:t>亞債</a:t>
+            </a:r>
+            <a:endParaRPr kumimoji="1" lang="en-US" altLang="zh-TW" dirty="0" smtClean="0"/>
+          </a:p>
+          <a:p>
+            <a:r>
+              <a:rPr kumimoji="1" lang="zh-TW" altLang="en-US" dirty="0" smtClean="0"/>
+              <a:t>基金</a:t>
+            </a:r>
+            <a:endParaRPr kumimoji="1" lang="en-US" altLang="zh-TW" dirty="0" smtClean="0"/>
+          </a:p>
+          <a:p>
+            <a:r>
+              <a:rPr kumimoji="1" lang="zh-TW" altLang="en-US" dirty="0" smtClean="0"/>
+              <a:t>金融債</a:t>
+            </a:r>
+            <a:endParaRPr kumimoji="1" lang="en-US" altLang="zh-TW" dirty="0" smtClean="0"/>
+          </a:p>
+          <a:p>
+            <a:r>
+              <a:rPr kumimoji="1" lang="zh-TW" altLang="en-US" dirty="0" smtClean="0"/>
+              <a:t>台幣</a:t>
+            </a:r>
+            <a:r>
+              <a:rPr kumimoji="1" lang="en-US" altLang="zh-TW" dirty="0" smtClean="0"/>
+              <a:t>/</a:t>
+            </a:r>
+            <a:r>
+              <a:rPr kumimoji="1" lang="zh-TW" altLang="en-US" dirty="0" smtClean="0"/>
+              <a:t>美金</a:t>
+            </a:r>
+            <a:endParaRPr kumimoji="1" lang="en-US" altLang="zh-TW" dirty="0" smtClean="0"/>
+          </a:p>
+          <a:p>
+            <a:r>
+              <a:rPr kumimoji="1" lang="zh-TW" altLang="en-US" dirty="0" smtClean="0"/>
+              <a:t>華南</a:t>
+            </a:r>
+            <a:r>
+              <a:rPr kumimoji="1" lang="en-US" altLang="zh-TW" dirty="0" smtClean="0"/>
+              <a:t>/</a:t>
+            </a:r>
+            <a:r>
+              <a:rPr kumimoji="1" lang="zh-TW" altLang="en-US" dirty="0" smtClean="0"/>
+              <a:t>永豐</a:t>
+            </a:r>
+            <a:endParaRPr kumimoji="1" lang="en-US" altLang="zh-TW" dirty="0" smtClean="0"/>
+          </a:p>
+          <a:p>
+            <a:endParaRPr kumimoji="1" lang="en-US" altLang="zh-TW" dirty="0" smtClean="0"/>
+          </a:p>
+        </p:txBody>
+      </p:sp>
+    </p:spTree>
+    <p:extLst>
+      <p:ext uri="{BB962C8B-B14F-4D97-AF65-F5344CB8AC3E}">
+        <p14:creationId xmlns:p14="http://schemas.microsoft.com/office/powerpoint/2010/main" val="995907914"/>
+      </p:ext>
+    </p:extLst>
+  </p:cSld>
+  <p:clrMapOvr>
+    <a:masterClrMapping/>
+  </p:clrMapOvr>
+</p:sld>
+</file>
+
+<file path=ppt/slides/slide21.xml><?xml version="1.0" encoding="utf-8"?>
+<p:sld xmlns:a="http://schemas.openxmlformats.org/drawingml/2006/main" xmlns:r="http://schemas.openxmlformats.org/officeDocument/2006/relationships" xmlns:p="http://schemas.openxmlformats.org/presentationml/2006/main">
+  <p:cSld>
+    <p:spTree>
+      <p:nvGrpSpPr>
+        <p:cNvPr id="1" name=""/>
+        <p:cNvGrpSpPr/>
+        <p:nvPr/>
+      </p:nvGrpSpPr>
+      <p:grpSpPr>
+        <a:xfrm>
+          <a:off x="0" y="0"/>
+          <a:ext cx="0" cy="0"/>
+          <a:chOff x="0" y="0"/>
+          <a:chExt cx="0" cy="0"/>
+        </a:xfrm>
+      </p:grpSpPr>
+      <p:sp>
+        <p:nvSpPr>
+          <p:cNvPr id="2" name="標題 1">
+            <a:extLst>
+              <a:ext uri="{FF2B5EF4-FFF2-40B4-BE49-F238E27FC236}">
+                <a16:creationId xmlns:a16="http://schemas.microsoft.com/office/drawing/2014/main" xmlns="" id="{E3337D87-D674-4A28-88BF-D94A0D5D56C3}"/>
+              </a:ext>
+            </a:extLst>
+          </p:cNvPr>
+          <p:cNvSpPr>
+            <a:spLocks noGrp="1"/>
+          </p:cNvSpPr>
+          <p:nvPr>
+            <p:ph type="ctrTitle"/>
+          </p:nvPr>
+        </p:nvSpPr>
+        <p:spPr>
+          <a:xfrm>
+            <a:off x="617951" y="2332383"/>
+            <a:ext cx="8565805" cy="1205948"/>
+          </a:xfrm>
+        </p:spPr>
+        <p:txBody>
+          <a:bodyPr>
+            <a:normAutofit/>
+          </a:bodyPr>
+          <a:lstStyle/>
+          <a:p>
+            <a:pPr algn="ctr"/>
+            <a:r>
+              <a:rPr lang="en-US" altLang="zh-CN" sz="6000" b="1" dirty="0"/>
+              <a:t>Thank you</a:t>
+            </a:r>
+            <a:r>
+              <a:rPr lang="zh-CN" altLang="en-US" sz="6000" b="1" dirty="0"/>
+              <a:t>！</a:t>
+            </a:r>
+          </a:p>
+        </p:txBody>
+      </p:sp>
+    </p:spTree>
+    <p:extLst>
+      <p:ext uri="{BB962C8B-B14F-4D97-AF65-F5344CB8AC3E}">
+        <p14:creationId xmlns:p14="http://schemas.microsoft.com/office/powerpoint/2010/main" val="2624657211"/>
+      </p:ext>
+    </p:extLst>
+  </p:cSld>
+  <p:clrMapOvr>
+    <a:masterClrMapping/>
+  </p:clrMapOvr>
+  <p:timing>
+    <p:tnLst>
+      <p:par>
+        <p:cTn id="1" dur="indefinite" restart="never" nodeType="tmRoot"/>
+      </p:par>
+    </p:tnLst>
+  </p:timing>
+</p:sld>
+</file>
+
 <file path=ppt/slides/slide3.xml><?xml version="1.0" encoding="utf-8"?>
 <p:sld xmlns:a="http://schemas.openxmlformats.org/drawingml/2006/main" xmlns:r="http://schemas.openxmlformats.org/officeDocument/2006/relationships" xmlns:p="http://schemas.openxmlformats.org/presentationml/2006/main">
   <p:cSld>
@@ -6252,7 +8991,7 @@
           <p:cNvPr id="2" name="標題 1">
             <a:extLst>
               <a:ext uri="{FF2B5EF4-FFF2-40B4-BE49-F238E27FC236}">
-                <a16:creationId xmlns:a16="http://schemas.microsoft.com/office/drawing/2014/main" id="{E3337D87-D674-4A28-88BF-D94A0D5D56C3}"/>
+                <a16:creationId xmlns:a16="http://schemas.microsoft.com/office/drawing/2014/main" xmlns="" id="{E3337D87-D674-4A28-88BF-D94A0D5D56C3}"/>
               </a:ext>
             </a:extLst>
           </p:cNvPr>
@@ -6285,7 +9024,7 @@
           <p:cNvPr id="5" name="副標題 4">
             <a:extLst>
               <a:ext uri="{FF2B5EF4-FFF2-40B4-BE49-F238E27FC236}">
-                <a16:creationId xmlns:a16="http://schemas.microsoft.com/office/drawing/2014/main" id="{69BB65D4-4FCC-4973-BA7B-A80E398DBB2F}"/>
+                <a16:creationId xmlns:a16="http://schemas.microsoft.com/office/drawing/2014/main" xmlns="" id="{69BB65D4-4FCC-4973-BA7B-A80E398DBB2F}"/>
               </a:ext>
             </a:extLst>
           </p:cNvPr>
@@ -6343,7 +9082,7 @@
           <p:cNvPr id="8" name="群組 7">
             <a:extLst>
               <a:ext uri="{FF2B5EF4-FFF2-40B4-BE49-F238E27FC236}">
-                <a16:creationId xmlns:a16="http://schemas.microsoft.com/office/drawing/2014/main" id="{3BC3C7D0-F3D2-4370-BDD0-05B262BBE1FA}"/>
+                <a16:creationId xmlns:a16="http://schemas.microsoft.com/office/drawing/2014/main" xmlns="" id="{3BC3C7D0-F3D2-4370-BDD0-05B262BBE1FA}"/>
               </a:ext>
             </a:extLst>
           </p:cNvPr>
@@ -6363,7 +9102,7 @@
             <p:cNvPr id="6" name="圖片 5">
               <a:extLst>
                 <a:ext uri="{FF2B5EF4-FFF2-40B4-BE49-F238E27FC236}">
-                  <a16:creationId xmlns:a16="http://schemas.microsoft.com/office/drawing/2014/main" id="{2EE6FCCF-7DE2-4C7C-99B3-889087E753C8}"/>
+                  <a16:creationId xmlns:a16="http://schemas.microsoft.com/office/drawing/2014/main" xmlns="" id="{2EE6FCCF-7DE2-4C7C-99B3-889087E753C8}"/>
                 </a:ext>
               </a:extLst>
             </p:cNvPr>
@@ -6392,7 +9131,7 @@
             <p:cNvPr id="7" name="圖片 6">
               <a:extLst>
                 <a:ext uri="{FF2B5EF4-FFF2-40B4-BE49-F238E27FC236}">
-                  <a16:creationId xmlns:a16="http://schemas.microsoft.com/office/drawing/2014/main" id="{C1E11A81-0B3C-46D6-B166-F154DC4CA6BA}"/>
+                  <a16:creationId xmlns:a16="http://schemas.microsoft.com/office/drawing/2014/main" xmlns="" id="{C1E11A81-0B3C-46D6-B166-F154DC4CA6BA}"/>
                 </a:ext>
               </a:extLst>
             </p:cNvPr>
@@ -6453,7 +9192,7 @@
           <p:cNvPr id="2" name="標題 1">
             <a:extLst>
               <a:ext uri="{FF2B5EF4-FFF2-40B4-BE49-F238E27FC236}">
-                <a16:creationId xmlns:a16="http://schemas.microsoft.com/office/drawing/2014/main" id="{E3337D87-D674-4A28-88BF-D94A0D5D56C3}"/>
+                <a16:creationId xmlns:a16="http://schemas.microsoft.com/office/drawing/2014/main" xmlns="" id="{E3337D87-D674-4A28-88BF-D94A0D5D56C3}"/>
               </a:ext>
             </a:extLst>
           </p:cNvPr>
@@ -6495,7 +9234,7 @@
           <p:cNvPr id="3" name="副標題 2">
             <a:extLst>
               <a:ext uri="{FF2B5EF4-FFF2-40B4-BE49-F238E27FC236}">
-                <a16:creationId xmlns:a16="http://schemas.microsoft.com/office/drawing/2014/main" id="{402F9BEA-B78B-4A58-B351-AFD2081CE885}"/>
+                <a16:creationId xmlns:a16="http://schemas.microsoft.com/office/drawing/2014/main" xmlns="" id="{402F9BEA-B78B-4A58-B351-AFD2081CE885}"/>
               </a:ext>
             </a:extLst>
           </p:cNvPr>
@@ -6560,7 +9299,7 @@
           <p:cNvPr id="4" name="圖片 3">
             <a:extLst>
               <a:ext uri="{FF2B5EF4-FFF2-40B4-BE49-F238E27FC236}">
-                <a16:creationId xmlns:a16="http://schemas.microsoft.com/office/drawing/2014/main" id="{869A4998-210A-4521-91B7-1213A86BEB58}"/>
+                <a16:creationId xmlns:a16="http://schemas.microsoft.com/office/drawing/2014/main" xmlns="" id="{869A4998-210A-4521-91B7-1213A86BEB58}"/>
               </a:ext>
             </a:extLst>
           </p:cNvPr>
@@ -6620,7 +9359,7 @@
           <p:cNvPr id="2" name="標題 1">
             <a:extLst>
               <a:ext uri="{FF2B5EF4-FFF2-40B4-BE49-F238E27FC236}">
-                <a16:creationId xmlns:a16="http://schemas.microsoft.com/office/drawing/2014/main" id="{E3337D87-D674-4A28-88BF-D94A0D5D56C3}"/>
+                <a16:creationId xmlns:a16="http://schemas.microsoft.com/office/drawing/2014/main" xmlns="" id="{E3337D87-D674-4A28-88BF-D94A0D5D56C3}"/>
               </a:ext>
             </a:extLst>
           </p:cNvPr>
@@ -6660,7 +9399,7 @@
           <p:cNvPr id="3" name="副標題 2">
             <a:extLst>
               <a:ext uri="{FF2B5EF4-FFF2-40B4-BE49-F238E27FC236}">
-                <a16:creationId xmlns:a16="http://schemas.microsoft.com/office/drawing/2014/main" id="{402F9BEA-B78B-4A58-B351-AFD2081CE885}"/>
+                <a16:creationId xmlns:a16="http://schemas.microsoft.com/office/drawing/2014/main" xmlns="" id="{402F9BEA-B78B-4A58-B351-AFD2081CE885}"/>
               </a:ext>
             </a:extLst>
           </p:cNvPr>
@@ -7103,7 +9842,7 @@
           <p:cNvPr id="6" name="圖片 5">
             <a:extLst>
               <a:ext uri="{FF2B5EF4-FFF2-40B4-BE49-F238E27FC236}">
-                <a16:creationId xmlns:a16="http://schemas.microsoft.com/office/drawing/2014/main" id="{27AD29F7-5489-4CA2-90AE-AFB490991860}"/>
+                <a16:creationId xmlns:a16="http://schemas.microsoft.com/office/drawing/2014/main" xmlns="" id="{27AD29F7-5489-4CA2-90AE-AFB490991860}"/>
               </a:ext>
             </a:extLst>
           </p:cNvPr>
@@ -7162,7 +9901,7 @@
           <p:cNvPr id="2" name="標題 1">
             <a:extLst>
               <a:ext uri="{FF2B5EF4-FFF2-40B4-BE49-F238E27FC236}">
-                <a16:creationId xmlns:a16="http://schemas.microsoft.com/office/drawing/2014/main" id="{E3337D87-D674-4A28-88BF-D94A0D5D56C3}"/>
+                <a16:creationId xmlns:a16="http://schemas.microsoft.com/office/drawing/2014/main" xmlns="" id="{E3337D87-D674-4A28-88BF-D94A0D5D56C3}"/>
               </a:ext>
             </a:extLst>
           </p:cNvPr>
@@ -7204,7 +9943,7 @@
           <p:cNvPr id="3" name="副標題 2">
             <a:extLst>
               <a:ext uri="{FF2B5EF4-FFF2-40B4-BE49-F238E27FC236}">
-                <a16:creationId xmlns:a16="http://schemas.microsoft.com/office/drawing/2014/main" id="{402F9BEA-B78B-4A58-B351-AFD2081CE885}"/>
+                <a16:creationId xmlns:a16="http://schemas.microsoft.com/office/drawing/2014/main" xmlns="" id="{402F9BEA-B78B-4A58-B351-AFD2081CE885}"/>
               </a:ext>
             </a:extLst>
           </p:cNvPr>
@@ -7317,7 +10056,7 @@
           <p:cNvPr id="5" name="圖片 4">
             <a:extLst>
               <a:ext uri="{FF2B5EF4-FFF2-40B4-BE49-F238E27FC236}">
-                <a16:creationId xmlns:a16="http://schemas.microsoft.com/office/drawing/2014/main" id="{7053B675-9AED-4264-AB4C-772E2F7CD11C}"/>
+                <a16:creationId xmlns:a16="http://schemas.microsoft.com/office/drawing/2014/main" xmlns="" id="{7053B675-9AED-4264-AB4C-772E2F7CD11C}"/>
               </a:ext>
             </a:extLst>
           </p:cNvPr>
@@ -7377,7 +10116,7 @@
           <p:cNvPr id="2" name="標題 1">
             <a:extLst>
               <a:ext uri="{FF2B5EF4-FFF2-40B4-BE49-F238E27FC236}">
-                <a16:creationId xmlns:a16="http://schemas.microsoft.com/office/drawing/2014/main" id="{E3337D87-D674-4A28-88BF-D94A0D5D56C3}"/>
+                <a16:creationId xmlns:a16="http://schemas.microsoft.com/office/drawing/2014/main" xmlns="" id="{E3337D87-D674-4A28-88BF-D94A0D5D56C3}"/>
               </a:ext>
             </a:extLst>
           </p:cNvPr>
@@ -7417,7 +10156,7 @@
           <p:cNvPr id="3" name="副標題 2">
             <a:extLst>
               <a:ext uri="{FF2B5EF4-FFF2-40B4-BE49-F238E27FC236}">
-                <a16:creationId xmlns:a16="http://schemas.microsoft.com/office/drawing/2014/main" id="{402F9BEA-B78B-4A58-B351-AFD2081CE885}"/>
+                <a16:creationId xmlns:a16="http://schemas.microsoft.com/office/drawing/2014/main" xmlns="" id="{402F9BEA-B78B-4A58-B351-AFD2081CE885}"/>
               </a:ext>
             </a:extLst>
           </p:cNvPr>
@@ -7568,7 +10307,7 @@
           <p:cNvPr id="5" name="圖片 4">
             <a:extLst>
               <a:ext uri="{FF2B5EF4-FFF2-40B4-BE49-F238E27FC236}">
-                <a16:creationId xmlns:a16="http://schemas.microsoft.com/office/drawing/2014/main" id="{CE2388F3-76B6-44C7-BED1-7B67FF5B5C86}"/>
+                <a16:creationId xmlns:a16="http://schemas.microsoft.com/office/drawing/2014/main" xmlns="" id="{CE2388F3-76B6-44C7-BED1-7B67FF5B5C86}"/>
               </a:ext>
             </a:extLst>
           </p:cNvPr>
@@ -7627,7 +10366,7 @@
           <p:cNvPr id="2" name="標題 1">
             <a:extLst>
               <a:ext uri="{FF2B5EF4-FFF2-40B4-BE49-F238E27FC236}">
-                <a16:creationId xmlns:a16="http://schemas.microsoft.com/office/drawing/2014/main" id="{E3337D87-D674-4A28-88BF-D94A0D5D56C3}"/>
+                <a16:creationId xmlns:a16="http://schemas.microsoft.com/office/drawing/2014/main" xmlns="" id="{E3337D87-D674-4A28-88BF-D94A0D5D56C3}"/>
               </a:ext>
             </a:extLst>
           </p:cNvPr>
@@ -7671,7 +10410,7 @@
           <p:cNvPr id="3" name="副標題 2">
             <a:extLst>
               <a:ext uri="{FF2B5EF4-FFF2-40B4-BE49-F238E27FC236}">
-                <a16:creationId xmlns:a16="http://schemas.microsoft.com/office/drawing/2014/main" id="{402F9BEA-B78B-4A58-B351-AFD2081CE885}"/>
+                <a16:creationId xmlns:a16="http://schemas.microsoft.com/office/drawing/2014/main" xmlns="" id="{402F9BEA-B78B-4A58-B351-AFD2081CE885}"/>
               </a:ext>
             </a:extLst>
           </p:cNvPr>
@@ -7925,7 +10664,7 @@
           <p:cNvPr id="4" name="圖片 3">
             <a:extLst>
               <a:ext uri="{FF2B5EF4-FFF2-40B4-BE49-F238E27FC236}">
-                <a16:creationId xmlns:a16="http://schemas.microsoft.com/office/drawing/2014/main" id="{D8FB92C4-61BF-4E3A-9060-8885B173EF8F}"/>
+                <a16:creationId xmlns:a16="http://schemas.microsoft.com/office/drawing/2014/main" xmlns="" id="{D8FB92C4-61BF-4E3A-9060-8885B173EF8F}"/>
               </a:ext>
             </a:extLst>
           </p:cNvPr>
@@ -7985,7 +10724,7 @@
           <p:cNvPr id="2" name="標題 1">
             <a:extLst>
               <a:ext uri="{FF2B5EF4-FFF2-40B4-BE49-F238E27FC236}">
-                <a16:creationId xmlns:a16="http://schemas.microsoft.com/office/drawing/2014/main" id="{E3337D87-D674-4A28-88BF-D94A0D5D56C3}"/>
+                <a16:creationId xmlns:a16="http://schemas.microsoft.com/office/drawing/2014/main" xmlns="" id="{E3337D87-D674-4A28-88BF-D94A0D5D56C3}"/>
               </a:ext>
             </a:extLst>
           </p:cNvPr>
@@ -8023,7 +10762,7 @@
           <p:cNvPr id="3" name="副標題 2">
             <a:extLst>
               <a:ext uri="{FF2B5EF4-FFF2-40B4-BE49-F238E27FC236}">
-                <a16:creationId xmlns:a16="http://schemas.microsoft.com/office/drawing/2014/main" id="{402F9BEA-B78B-4A58-B351-AFD2081CE885}"/>
+                <a16:creationId xmlns:a16="http://schemas.microsoft.com/office/drawing/2014/main" xmlns="" id="{402F9BEA-B78B-4A58-B351-AFD2081CE885}"/>
               </a:ext>
             </a:extLst>
           </p:cNvPr>
@@ -8208,7 +10947,7 @@
           <p:cNvPr id="4" name="圖片 3">
             <a:extLst>
               <a:ext uri="{FF2B5EF4-FFF2-40B4-BE49-F238E27FC236}">
-                <a16:creationId xmlns:a16="http://schemas.microsoft.com/office/drawing/2014/main" id="{EFFE2D43-7260-42F3-8C12-CF758932B927}"/>
+                <a16:creationId xmlns:a16="http://schemas.microsoft.com/office/drawing/2014/main" xmlns="" id="{EFFE2D43-7260-42F3-8C12-CF758932B927}"/>
               </a:ext>
             </a:extLst>
           </p:cNvPr>
